--- a/assets/Qualities_Slide 6.pptx
+++ b/assets/Qualities_Slide 6.pptx
@@ -2,18 +2,18 @@
 <file path=ppt/presentation.xml><?xml version="1.0" encoding="utf-8"?>
 <p:presentation xmlns:a="http://schemas.openxmlformats.org/drawingml/2006/main" xmlns:r="http://schemas.openxmlformats.org/officeDocument/2006/relationships" xmlns:p="http://schemas.openxmlformats.org/presentationml/2006/main" saveSubsetFonts="1">
   <p:sldMasterIdLst>
-    <p:sldMasterId id="2147483648" r:id="rId1"/>
+    <p:sldMasterId id="2147483708" r:id="rId1"/>
   </p:sldMasterIdLst>
   <p:sldIdLst>
     <p:sldId id="256" r:id="rId2"/>
   </p:sldIdLst>
-  <p:sldSz cx="12192000" cy="6858000"/>
+  <p:sldSz cx="4319588" cy="3600450"/>
   <p:notesSz cx="6858000" cy="9144000"/>
   <p:defaultTextStyle>
     <a:defPPr>
-      <a:defRPr lang="de-DE"/>
+      <a:defRPr lang="en-US"/>
     </a:defPPr>
-    <a:lvl1pPr marL="0" algn="l" defTabSz="914400" rtl="0" eaLnBrk="1" latinLnBrk="0" hangingPunct="1">
+    <a:lvl1pPr marL="0" algn="l" defTabSz="457200" rtl="0" eaLnBrk="1" latinLnBrk="0" hangingPunct="1">
       <a:defRPr sz="1800" kern="1200">
         <a:solidFill>
           <a:schemeClr val="tx1"/>
@@ -23,7 +23,7 @@
         <a:cs typeface="+mn-cs"/>
       </a:defRPr>
     </a:lvl1pPr>
-    <a:lvl2pPr marL="457200" algn="l" defTabSz="914400" rtl="0" eaLnBrk="1" latinLnBrk="0" hangingPunct="1">
+    <a:lvl2pPr marL="457200" algn="l" defTabSz="457200" rtl="0" eaLnBrk="1" latinLnBrk="0" hangingPunct="1">
       <a:defRPr sz="1800" kern="1200">
         <a:solidFill>
           <a:schemeClr val="tx1"/>
@@ -33,7 +33,7 @@
         <a:cs typeface="+mn-cs"/>
       </a:defRPr>
     </a:lvl2pPr>
-    <a:lvl3pPr marL="914400" algn="l" defTabSz="914400" rtl="0" eaLnBrk="1" latinLnBrk="0" hangingPunct="1">
+    <a:lvl3pPr marL="914400" algn="l" defTabSz="457200" rtl="0" eaLnBrk="1" latinLnBrk="0" hangingPunct="1">
       <a:defRPr sz="1800" kern="1200">
         <a:solidFill>
           <a:schemeClr val="tx1"/>
@@ -43,7 +43,7 @@
         <a:cs typeface="+mn-cs"/>
       </a:defRPr>
     </a:lvl3pPr>
-    <a:lvl4pPr marL="1371600" algn="l" defTabSz="914400" rtl="0" eaLnBrk="1" latinLnBrk="0" hangingPunct="1">
+    <a:lvl4pPr marL="1371600" algn="l" defTabSz="457200" rtl="0" eaLnBrk="1" latinLnBrk="0" hangingPunct="1">
       <a:defRPr sz="1800" kern="1200">
         <a:solidFill>
           <a:schemeClr val="tx1"/>
@@ -53,7 +53,7 @@
         <a:cs typeface="+mn-cs"/>
       </a:defRPr>
     </a:lvl4pPr>
-    <a:lvl5pPr marL="1828800" algn="l" defTabSz="914400" rtl="0" eaLnBrk="1" latinLnBrk="0" hangingPunct="1">
+    <a:lvl5pPr marL="1828800" algn="l" defTabSz="457200" rtl="0" eaLnBrk="1" latinLnBrk="0" hangingPunct="1">
       <a:defRPr sz="1800" kern="1200">
         <a:solidFill>
           <a:schemeClr val="tx1"/>
@@ -63,7 +63,7 @@
         <a:cs typeface="+mn-cs"/>
       </a:defRPr>
     </a:lvl5pPr>
-    <a:lvl6pPr marL="2286000" algn="l" defTabSz="914400" rtl="0" eaLnBrk="1" latinLnBrk="0" hangingPunct="1">
+    <a:lvl6pPr marL="2286000" algn="l" defTabSz="457200" rtl="0" eaLnBrk="1" latinLnBrk="0" hangingPunct="1">
       <a:defRPr sz="1800" kern="1200">
         <a:solidFill>
           <a:schemeClr val="tx1"/>
@@ -73,7 +73,7 @@
         <a:cs typeface="+mn-cs"/>
       </a:defRPr>
     </a:lvl6pPr>
-    <a:lvl7pPr marL="2743200" algn="l" defTabSz="914400" rtl="0" eaLnBrk="1" latinLnBrk="0" hangingPunct="1">
+    <a:lvl7pPr marL="2743200" algn="l" defTabSz="457200" rtl="0" eaLnBrk="1" latinLnBrk="0" hangingPunct="1">
       <a:defRPr sz="1800" kern="1200">
         <a:solidFill>
           <a:schemeClr val="tx1"/>
@@ -83,7 +83,7 @@
         <a:cs typeface="+mn-cs"/>
       </a:defRPr>
     </a:lvl7pPr>
-    <a:lvl8pPr marL="3200400" algn="l" defTabSz="914400" rtl="0" eaLnBrk="1" latinLnBrk="0" hangingPunct="1">
+    <a:lvl8pPr marL="3200400" algn="l" defTabSz="457200" rtl="0" eaLnBrk="1" latinLnBrk="0" hangingPunct="1">
       <a:defRPr sz="1800" kern="1200">
         <a:solidFill>
           <a:schemeClr val="tx1"/>
@@ -93,7 +93,7 @@
         <a:cs typeface="+mn-cs"/>
       </a:defRPr>
     </a:lvl8pPr>
-    <a:lvl9pPr marL="3657600" algn="l" defTabSz="914400" rtl="0" eaLnBrk="1" latinLnBrk="0" hangingPunct="1">
+    <a:lvl9pPr marL="3657600" algn="l" defTabSz="457200" rtl="0" eaLnBrk="1" latinLnBrk="0" hangingPunct="1">
       <a:defRPr sz="1800" kern="1200">
         <a:solidFill>
           <a:schemeClr val="tx1"/>
@@ -107,12 +107,12 @@
   <p:extLst>
     <p:ext uri="{EFAFB233-063F-42B5-8137-9DF3F51BA10A}">
       <p15:sldGuideLst xmlns:p15="http://schemas.microsoft.com/office/powerpoint/2012/main">
-        <p15:guide id="1" orient="horz" pos="2160" userDrawn="1">
+        <p15:guide id="1" orient="horz" pos="1134" userDrawn="1">
           <p15:clr>
             <a:srgbClr val="A4A3A4"/>
           </p15:clr>
         </p15:guide>
-        <p15:guide id="2" pos="3840" userDrawn="1">
+        <p15:guide id="2" pos="1361" userDrawn="1">
           <p15:clr>
             <a:srgbClr val="A4A3A4"/>
           </p15:clr>
@@ -142,13 +142,7 @@
       </p:grpSpPr>
       <p:sp>
         <p:nvSpPr>
-          <p:cNvPr id="2" name="Titel 1">
-            <a:extLst>
-              <a:ext uri="{FF2B5EF4-FFF2-40B4-BE49-F238E27FC236}">
-                <a16:creationId xmlns:a16="http://schemas.microsoft.com/office/drawing/2014/main" id="{4B294E25-F417-9203-5E37-3BB5AF28DD7D}"/>
-              </a:ext>
-            </a:extLst>
-          </p:cNvPr>
+          <p:cNvPr id="2" name="Title 1"/>
           <p:cNvSpPr>
             <a:spLocks noGrp="1"/>
           </p:cNvSpPr>
@@ -158,15 +152,15 @@
         </p:nvSpPr>
         <p:spPr>
           <a:xfrm>
-            <a:off x="1524000" y="1122363"/>
-            <a:ext cx="9144000" cy="2387600"/>
+            <a:off x="323969" y="589241"/>
+            <a:ext cx="3671650" cy="1253490"/>
           </a:xfrm>
         </p:spPr>
         <p:txBody>
           <a:bodyPr anchor="b"/>
           <a:lstStyle>
             <a:lvl1pPr algn="ctr">
-              <a:defRPr sz="6000"/>
+              <a:defRPr sz="2834"/>
             </a:lvl1pPr>
           </a:lstStyle>
           <a:p>
@@ -174,18 +168,13 @@
               <a:rPr lang="de-DE"/>
               <a:t>Mastertitelformat bearbeiten</a:t>
             </a:r>
-          </a:p>
-        </p:txBody>
-      </p:sp>
-      <p:sp>
-        <p:nvSpPr>
-          <p:cNvPr id="3" name="Untertitel 2">
-            <a:extLst>
-              <a:ext uri="{FF2B5EF4-FFF2-40B4-BE49-F238E27FC236}">
-                <a16:creationId xmlns:a16="http://schemas.microsoft.com/office/drawing/2014/main" id="{A0EA8A8D-618B-4802-B4E8-D15E2A5A938B}"/>
-              </a:ext>
-            </a:extLst>
-          </p:cNvPr>
+            <a:endParaRPr lang="en-US" dirty="0"/>
+          </a:p>
+        </p:txBody>
+      </p:sp>
+      <p:sp>
+        <p:nvSpPr>
+          <p:cNvPr id="3" name="Subtitle 2"/>
           <p:cNvSpPr>
             <a:spLocks noGrp="1"/>
           </p:cNvSpPr>
@@ -195,8 +184,8 @@
         </p:nvSpPr>
         <p:spPr>
           <a:xfrm>
-            <a:off x="1524000" y="3602038"/>
-            <a:ext cx="9144000" cy="1655762"/>
+            <a:off x="539949" y="1891070"/>
+            <a:ext cx="3239691" cy="869275"/>
           </a:xfrm>
         </p:spPr>
         <p:txBody>
@@ -204,39 +193,39 @@
           <a:lstStyle>
             <a:lvl1pPr marL="0" indent="0" algn="ctr">
               <a:buNone/>
-              <a:defRPr sz="2400"/>
+              <a:defRPr sz="1134"/>
             </a:lvl1pPr>
-            <a:lvl2pPr marL="457200" indent="0" algn="ctr">
-              <a:buNone/>
-              <a:defRPr sz="2000"/>
+            <a:lvl2pPr marL="215981" indent="0" algn="ctr">
+              <a:buNone/>
+              <a:defRPr sz="945"/>
             </a:lvl2pPr>
-            <a:lvl3pPr marL="914400" indent="0" algn="ctr">
-              <a:buNone/>
-              <a:defRPr sz="1800"/>
+            <a:lvl3pPr marL="431963" indent="0" algn="ctr">
+              <a:buNone/>
+              <a:defRPr sz="850"/>
             </a:lvl3pPr>
-            <a:lvl4pPr marL="1371600" indent="0" algn="ctr">
-              <a:buNone/>
-              <a:defRPr sz="1600"/>
+            <a:lvl4pPr marL="647944" indent="0" algn="ctr">
+              <a:buNone/>
+              <a:defRPr sz="756"/>
             </a:lvl4pPr>
-            <a:lvl5pPr marL="1828800" indent="0" algn="ctr">
-              <a:buNone/>
-              <a:defRPr sz="1600"/>
+            <a:lvl5pPr marL="863925" indent="0" algn="ctr">
+              <a:buNone/>
+              <a:defRPr sz="756"/>
             </a:lvl5pPr>
-            <a:lvl6pPr marL="2286000" indent="0" algn="ctr">
-              <a:buNone/>
-              <a:defRPr sz="1600"/>
+            <a:lvl6pPr marL="1079906" indent="0" algn="ctr">
+              <a:buNone/>
+              <a:defRPr sz="756"/>
             </a:lvl6pPr>
-            <a:lvl7pPr marL="2743200" indent="0" algn="ctr">
-              <a:buNone/>
-              <a:defRPr sz="1600"/>
+            <a:lvl7pPr marL="1295888" indent="0" algn="ctr">
+              <a:buNone/>
+              <a:defRPr sz="756"/>
             </a:lvl7pPr>
-            <a:lvl8pPr marL="3200400" indent="0" algn="ctr">
-              <a:buNone/>
-              <a:defRPr sz="1600"/>
+            <a:lvl8pPr marL="1511869" indent="0" algn="ctr">
+              <a:buNone/>
+              <a:defRPr sz="756"/>
             </a:lvl8pPr>
-            <a:lvl9pPr marL="3657600" indent="0" algn="ctr">
-              <a:buNone/>
-              <a:defRPr sz="1600"/>
+            <a:lvl9pPr marL="1727850" indent="0" algn="ctr">
+              <a:buNone/>
+              <a:defRPr sz="756"/>
             </a:lvl9pPr>
           </a:lstStyle>
           <a:p>
@@ -244,18 +233,13 @@
               <a:rPr lang="de-DE"/>
               <a:t>Master-Untertitelformat bearbeiten</a:t>
             </a:r>
-          </a:p>
-        </p:txBody>
-      </p:sp>
-      <p:sp>
-        <p:nvSpPr>
-          <p:cNvPr id="4" name="Datumsplatzhalter 3">
-            <a:extLst>
-              <a:ext uri="{FF2B5EF4-FFF2-40B4-BE49-F238E27FC236}">
-                <a16:creationId xmlns:a16="http://schemas.microsoft.com/office/drawing/2014/main" id="{ED798EAF-41FA-FE85-73DF-A293867019EB}"/>
-              </a:ext>
-            </a:extLst>
-          </p:cNvPr>
+            <a:endParaRPr lang="en-US" dirty="0"/>
+          </a:p>
+        </p:txBody>
+      </p:sp>
+      <p:sp>
+        <p:nvSpPr>
+          <p:cNvPr id="4" name="Date Placeholder 3"/>
           <p:cNvSpPr>
             <a:spLocks noGrp="1"/>
           </p:cNvSpPr>
@@ -270,7 +254,7 @@
           <a:p>
             <a:fld id="{747FE99C-B6B2-4F84-BF3A-0009E28C1CAC}" type="datetimeFigureOut">
               <a:rPr lang="de-DE" smtClean="0"/>
-              <a:t>23.01.2025</a:t>
+              <a:t>27.01.2025</a:t>
             </a:fld>
             <a:endParaRPr lang="de-DE"/>
           </a:p>
@@ -278,13 +262,7 @@
       </p:sp>
       <p:sp>
         <p:nvSpPr>
-          <p:cNvPr id="5" name="Fußzeilenplatzhalter 4">
-            <a:extLst>
-              <a:ext uri="{FF2B5EF4-FFF2-40B4-BE49-F238E27FC236}">
-                <a16:creationId xmlns:a16="http://schemas.microsoft.com/office/drawing/2014/main" id="{D66D21EF-9475-4174-2EB8-963208D86F9F}"/>
-              </a:ext>
-            </a:extLst>
-          </p:cNvPr>
+          <p:cNvPr id="5" name="Footer Placeholder 4"/>
           <p:cNvSpPr>
             <a:spLocks noGrp="1"/>
           </p:cNvSpPr>
@@ -303,13 +281,7 @@
       </p:sp>
       <p:sp>
         <p:nvSpPr>
-          <p:cNvPr id="6" name="Foliennummernplatzhalter 5">
-            <a:extLst>
-              <a:ext uri="{FF2B5EF4-FFF2-40B4-BE49-F238E27FC236}">
-                <a16:creationId xmlns:a16="http://schemas.microsoft.com/office/drawing/2014/main" id="{3194E41B-3F2D-C992-CEEB-2B6B2A4C746D}"/>
-              </a:ext>
-            </a:extLst>
-          </p:cNvPr>
+          <p:cNvPr id="6" name="Slide Number Placeholder 5"/>
           <p:cNvSpPr>
             <a:spLocks noGrp="1"/>
           </p:cNvSpPr>
@@ -333,7 +305,7 @@
     </p:spTree>
     <p:extLst>
       <p:ext uri="{BB962C8B-B14F-4D97-AF65-F5344CB8AC3E}">
-        <p14:creationId xmlns:p14="http://schemas.microsoft.com/office/powerpoint/2010/main" val="2181021549"/>
+        <p14:creationId xmlns:p14="http://schemas.microsoft.com/office/powerpoint/2010/main" val="2703506345"/>
       </p:ext>
     </p:extLst>
   </p:cSld>
@@ -362,13 +334,7 @@
       </p:grpSpPr>
       <p:sp>
         <p:nvSpPr>
-          <p:cNvPr id="2" name="Titel 1">
-            <a:extLst>
-              <a:ext uri="{FF2B5EF4-FFF2-40B4-BE49-F238E27FC236}">
-                <a16:creationId xmlns:a16="http://schemas.microsoft.com/office/drawing/2014/main" id="{A0EC0484-1E03-F31E-B68A-71C44D029FCF}"/>
-              </a:ext>
-            </a:extLst>
-          </p:cNvPr>
+          <p:cNvPr id="2" name="Title 1"/>
           <p:cNvSpPr>
             <a:spLocks noGrp="1"/>
           </p:cNvSpPr>
@@ -385,18 +351,13 @@
               <a:rPr lang="de-DE"/>
               <a:t>Mastertitelformat bearbeiten</a:t>
             </a:r>
-          </a:p>
-        </p:txBody>
-      </p:sp>
-      <p:sp>
-        <p:nvSpPr>
-          <p:cNvPr id="3" name="Vertikaler Textplatzhalter 2">
-            <a:extLst>
-              <a:ext uri="{FF2B5EF4-FFF2-40B4-BE49-F238E27FC236}">
-                <a16:creationId xmlns:a16="http://schemas.microsoft.com/office/drawing/2014/main" id="{50B167E2-FCD3-7886-A6F0-D46F5E3403F0}"/>
-              </a:ext>
-            </a:extLst>
-          </p:cNvPr>
+            <a:endParaRPr lang="en-US" dirty="0"/>
+          </a:p>
+        </p:txBody>
+      </p:sp>
+      <p:sp>
+        <p:nvSpPr>
+          <p:cNvPr id="3" name="Vertical Text Placeholder 2"/>
           <p:cNvSpPr>
             <a:spLocks noGrp="1"/>
           </p:cNvSpPr>
@@ -442,18 +403,13 @@
               <a:rPr lang="de-DE"/>
               <a:t>Fünfte Ebene</a:t>
             </a:r>
-          </a:p>
-        </p:txBody>
-      </p:sp>
-      <p:sp>
-        <p:nvSpPr>
-          <p:cNvPr id="4" name="Datumsplatzhalter 3">
-            <a:extLst>
-              <a:ext uri="{FF2B5EF4-FFF2-40B4-BE49-F238E27FC236}">
-                <a16:creationId xmlns:a16="http://schemas.microsoft.com/office/drawing/2014/main" id="{A2F8F63E-886C-0B3E-C2DE-EB4EA3A5F81B}"/>
-              </a:ext>
-            </a:extLst>
-          </p:cNvPr>
+            <a:endParaRPr lang="en-US" dirty="0"/>
+          </a:p>
+        </p:txBody>
+      </p:sp>
+      <p:sp>
+        <p:nvSpPr>
+          <p:cNvPr id="4" name="Date Placeholder 3"/>
           <p:cNvSpPr>
             <a:spLocks noGrp="1"/>
           </p:cNvSpPr>
@@ -468,7 +424,7 @@
           <a:p>
             <a:fld id="{747FE99C-B6B2-4F84-BF3A-0009E28C1CAC}" type="datetimeFigureOut">
               <a:rPr lang="de-DE" smtClean="0"/>
-              <a:t>23.01.2025</a:t>
+              <a:t>27.01.2025</a:t>
             </a:fld>
             <a:endParaRPr lang="de-DE"/>
           </a:p>
@@ -476,13 +432,7 @@
       </p:sp>
       <p:sp>
         <p:nvSpPr>
-          <p:cNvPr id="5" name="Fußzeilenplatzhalter 4">
-            <a:extLst>
-              <a:ext uri="{FF2B5EF4-FFF2-40B4-BE49-F238E27FC236}">
-                <a16:creationId xmlns:a16="http://schemas.microsoft.com/office/drawing/2014/main" id="{D543D10E-43D5-57B7-21AB-128B93812398}"/>
-              </a:ext>
-            </a:extLst>
-          </p:cNvPr>
+          <p:cNvPr id="5" name="Footer Placeholder 4"/>
           <p:cNvSpPr>
             <a:spLocks noGrp="1"/>
           </p:cNvSpPr>
@@ -501,13 +451,7 @@
       </p:sp>
       <p:sp>
         <p:nvSpPr>
-          <p:cNvPr id="6" name="Foliennummernplatzhalter 5">
-            <a:extLst>
-              <a:ext uri="{FF2B5EF4-FFF2-40B4-BE49-F238E27FC236}">
-                <a16:creationId xmlns:a16="http://schemas.microsoft.com/office/drawing/2014/main" id="{68B36032-AB69-CA51-2CF5-C80F612B2952}"/>
-              </a:ext>
-            </a:extLst>
-          </p:cNvPr>
+          <p:cNvPr id="6" name="Slide Number Placeholder 5"/>
           <p:cNvSpPr>
             <a:spLocks noGrp="1"/>
           </p:cNvSpPr>
@@ -531,7 +475,7 @@
     </p:spTree>
     <p:extLst>
       <p:ext uri="{BB962C8B-B14F-4D97-AF65-F5344CB8AC3E}">
-        <p14:creationId xmlns:p14="http://schemas.microsoft.com/office/powerpoint/2010/main" val="3630700352"/>
+        <p14:creationId xmlns:p14="http://schemas.microsoft.com/office/powerpoint/2010/main" val="2472641627"/>
       </p:ext>
     </p:extLst>
   </p:cSld>
@@ -560,13 +504,7 @@
       </p:grpSpPr>
       <p:sp>
         <p:nvSpPr>
-          <p:cNvPr id="2" name="Vertikaler Titel 1">
-            <a:extLst>
-              <a:ext uri="{FF2B5EF4-FFF2-40B4-BE49-F238E27FC236}">
-                <a16:creationId xmlns:a16="http://schemas.microsoft.com/office/drawing/2014/main" id="{AE46CCEE-6824-B5A9-980B-0CE6731D0CF5}"/>
-              </a:ext>
-            </a:extLst>
-          </p:cNvPr>
+          <p:cNvPr id="2" name="Vertical Title 1"/>
           <p:cNvSpPr>
             <a:spLocks noGrp="1"/>
           </p:cNvSpPr>
@@ -576,8 +514,8 @@
         </p:nvSpPr>
         <p:spPr>
           <a:xfrm>
-            <a:off x="8724900" y="365125"/>
-            <a:ext cx="2628900" cy="5811838"/>
+            <a:off x="3091205" y="191691"/>
+            <a:ext cx="931411" cy="3051215"/>
           </a:xfrm>
         </p:spPr>
         <p:txBody>
@@ -588,18 +526,13 @@
               <a:rPr lang="de-DE"/>
               <a:t>Mastertitelformat bearbeiten</a:t>
             </a:r>
-          </a:p>
-        </p:txBody>
-      </p:sp>
-      <p:sp>
-        <p:nvSpPr>
-          <p:cNvPr id="3" name="Vertikaler Textplatzhalter 2">
-            <a:extLst>
-              <a:ext uri="{FF2B5EF4-FFF2-40B4-BE49-F238E27FC236}">
-                <a16:creationId xmlns:a16="http://schemas.microsoft.com/office/drawing/2014/main" id="{0C80DC2B-BE7B-C41B-5EED-D0FC23D955DF}"/>
-              </a:ext>
-            </a:extLst>
-          </p:cNvPr>
+            <a:endParaRPr lang="en-US" dirty="0"/>
+          </a:p>
+        </p:txBody>
+      </p:sp>
+      <p:sp>
+        <p:nvSpPr>
+          <p:cNvPr id="3" name="Vertical Text Placeholder 2"/>
           <p:cNvSpPr>
             <a:spLocks noGrp="1"/>
           </p:cNvSpPr>
@@ -609,8 +542,8 @@
         </p:nvSpPr>
         <p:spPr>
           <a:xfrm>
-            <a:off x="838200" y="365125"/>
-            <a:ext cx="7734300" cy="5811838"/>
+            <a:off x="296972" y="191691"/>
+            <a:ext cx="2740239" cy="3051215"/>
           </a:xfrm>
         </p:spPr>
         <p:txBody>
@@ -650,18 +583,13 @@
               <a:rPr lang="de-DE"/>
               <a:t>Fünfte Ebene</a:t>
             </a:r>
-          </a:p>
-        </p:txBody>
-      </p:sp>
-      <p:sp>
-        <p:nvSpPr>
-          <p:cNvPr id="4" name="Datumsplatzhalter 3">
-            <a:extLst>
-              <a:ext uri="{FF2B5EF4-FFF2-40B4-BE49-F238E27FC236}">
-                <a16:creationId xmlns:a16="http://schemas.microsoft.com/office/drawing/2014/main" id="{0F6F28F8-6876-B06F-D265-CD98FBB37C05}"/>
-              </a:ext>
-            </a:extLst>
-          </p:cNvPr>
+            <a:endParaRPr lang="en-US" dirty="0"/>
+          </a:p>
+        </p:txBody>
+      </p:sp>
+      <p:sp>
+        <p:nvSpPr>
+          <p:cNvPr id="4" name="Date Placeholder 3"/>
           <p:cNvSpPr>
             <a:spLocks noGrp="1"/>
           </p:cNvSpPr>
@@ -676,7 +604,7 @@
           <a:p>
             <a:fld id="{747FE99C-B6B2-4F84-BF3A-0009E28C1CAC}" type="datetimeFigureOut">
               <a:rPr lang="de-DE" smtClean="0"/>
-              <a:t>23.01.2025</a:t>
+              <a:t>27.01.2025</a:t>
             </a:fld>
             <a:endParaRPr lang="de-DE"/>
           </a:p>
@@ -684,13 +612,7 @@
       </p:sp>
       <p:sp>
         <p:nvSpPr>
-          <p:cNvPr id="5" name="Fußzeilenplatzhalter 4">
-            <a:extLst>
-              <a:ext uri="{FF2B5EF4-FFF2-40B4-BE49-F238E27FC236}">
-                <a16:creationId xmlns:a16="http://schemas.microsoft.com/office/drawing/2014/main" id="{DFF970F4-1CE1-E725-2CED-F461AB8D3BA5}"/>
-              </a:ext>
-            </a:extLst>
-          </p:cNvPr>
+          <p:cNvPr id="5" name="Footer Placeholder 4"/>
           <p:cNvSpPr>
             <a:spLocks noGrp="1"/>
           </p:cNvSpPr>
@@ -709,13 +631,7 @@
       </p:sp>
       <p:sp>
         <p:nvSpPr>
-          <p:cNvPr id="6" name="Foliennummernplatzhalter 5">
-            <a:extLst>
-              <a:ext uri="{FF2B5EF4-FFF2-40B4-BE49-F238E27FC236}">
-                <a16:creationId xmlns:a16="http://schemas.microsoft.com/office/drawing/2014/main" id="{9F1B1204-EDC3-6BB4-EB11-CA35B26DBBCD}"/>
-              </a:ext>
-            </a:extLst>
-          </p:cNvPr>
+          <p:cNvPr id="6" name="Slide Number Placeholder 5"/>
           <p:cNvSpPr>
             <a:spLocks noGrp="1"/>
           </p:cNvSpPr>
@@ -739,7 +655,7 @@
     </p:spTree>
     <p:extLst>
       <p:ext uri="{BB962C8B-B14F-4D97-AF65-F5344CB8AC3E}">
-        <p14:creationId xmlns:p14="http://schemas.microsoft.com/office/powerpoint/2010/main" val="2290733490"/>
+        <p14:creationId xmlns:p14="http://schemas.microsoft.com/office/powerpoint/2010/main" val="3204839503"/>
       </p:ext>
     </p:extLst>
   </p:cSld>
@@ -768,13 +684,7 @@
       </p:grpSpPr>
       <p:sp>
         <p:nvSpPr>
-          <p:cNvPr id="2" name="Titel 1">
-            <a:extLst>
-              <a:ext uri="{FF2B5EF4-FFF2-40B4-BE49-F238E27FC236}">
-                <a16:creationId xmlns:a16="http://schemas.microsoft.com/office/drawing/2014/main" id="{2937EED1-0D04-C2FE-857C-CCDC182CD50F}"/>
-              </a:ext>
-            </a:extLst>
-          </p:cNvPr>
+          <p:cNvPr id="2" name="Title 1"/>
           <p:cNvSpPr>
             <a:spLocks noGrp="1"/>
           </p:cNvSpPr>
@@ -791,18 +701,13 @@
               <a:rPr lang="de-DE"/>
               <a:t>Mastertitelformat bearbeiten</a:t>
             </a:r>
-          </a:p>
-        </p:txBody>
-      </p:sp>
-      <p:sp>
-        <p:nvSpPr>
-          <p:cNvPr id="3" name="Inhaltsplatzhalter 2">
-            <a:extLst>
-              <a:ext uri="{FF2B5EF4-FFF2-40B4-BE49-F238E27FC236}">
-                <a16:creationId xmlns:a16="http://schemas.microsoft.com/office/drawing/2014/main" id="{6CC17219-5EBF-7305-18E0-01C64E391374}"/>
-              </a:ext>
-            </a:extLst>
-          </p:cNvPr>
+            <a:endParaRPr lang="en-US" dirty="0"/>
+          </a:p>
+        </p:txBody>
+      </p:sp>
+      <p:sp>
+        <p:nvSpPr>
+          <p:cNvPr id="3" name="Content Placeholder 2"/>
           <p:cNvSpPr>
             <a:spLocks noGrp="1"/>
           </p:cNvSpPr>
@@ -848,18 +753,13 @@
               <a:rPr lang="de-DE"/>
               <a:t>Fünfte Ebene</a:t>
             </a:r>
-          </a:p>
-        </p:txBody>
-      </p:sp>
-      <p:sp>
-        <p:nvSpPr>
-          <p:cNvPr id="4" name="Datumsplatzhalter 3">
-            <a:extLst>
-              <a:ext uri="{FF2B5EF4-FFF2-40B4-BE49-F238E27FC236}">
-                <a16:creationId xmlns:a16="http://schemas.microsoft.com/office/drawing/2014/main" id="{101213B6-A4CE-ABA5-F66D-8C19A691089D}"/>
-              </a:ext>
-            </a:extLst>
-          </p:cNvPr>
+            <a:endParaRPr lang="en-US" dirty="0"/>
+          </a:p>
+        </p:txBody>
+      </p:sp>
+      <p:sp>
+        <p:nvSpPr>
+          <p:cNvPr id="4" name="Date Placeholder 3"/>
           <p:cNvSpPr>
             <a:spLocks noGrp="1"/>
           </p:cNvSpPr>
@@ -874,7 +774,7 @@
           <a:p>
             <a:fld id="{747FE99C-B6B2-4F84-BF3A-0009E28C1CAC}" type="datetimeFigureOut">
               <a:rPr lang="de-DE" smtClean="0"/>
-              <a:t>23.01.2025</a:t>
+              <a:t>27.01.2025</a:t>
             </a:fld>
             <a:endParaRPr lang="de-DE"/>
           </a:p>
@@ -882,13 +782,7 @@
       </p:sp>
       <p:sp>
         <p:nvSpPr>
-          <p:cNvPr id="5" name="Fußzeilenplatzhalter 4">
-            <a:extLst>
-              <a:ext uri="{FF2B5EF4-FFF2-40B4-BE49-F238E27FC236}">
-                <a16:creationId xmlns:a16="http://schemas.microsoft.com/office/drawing/2014/main" id="{2ED87978-22BE-78C4-C8C5-C7E3F1EE8010}"/>
-              </a:ext>
-            </a:extLst>
-          </p:cNvPr>
+          <p:cNvPr id="5" name="Footer Placeholder 4"/>
           <p:cNvSpPr>
             <a:spLocks noGrp="1"/>
           </p:cNvSpPr>
@@ -907,13 +801,7 @@
       </p:sp>
       <p:sp>
         <p:nvSpPr>
-          <p:cNvPr id="6" name="Foliennummernplatzhalter 5">
-            <a:extLst>
-              <a:ext uri="{FF2B5EF4-FFF2-40B4-BE49-F238E27FC236}">
-                <a16:creationId xmlns:a16="http://schemas.microsoft.com/office/drawing/2014/main" id="{4326FD8A-5659-7FFF-4B38-1CBAC6FC2F56}"/>
-              </a:ext>
-            </a:extLst>
-          </p:cNvPr>
+          <p:cNvPr id="6" name="Slide Number Placeholder 5"/>
           <p:cNvSpPr>
             <a:spLocks noGrp="1"/>
           </p:cNvSpPr>
@@ -937,7 +825,7 @@
     </p:spTree>
     <p:extLst>
       <p:ext uri="{BB962C8B-B14F-4D97-AF65-F5344CB8AC3E}">
-        <p14:creationId xmlns:p14="http://schemas.microsoft.com/office/powerpoint/2010/main" val="2820712496"/>
+        <p14:creationId xmlns:p14="http://schemas.microsoft.com/office/powerpoint/2010/main" val="2560633523"/>
       </p:ext>
     </p:extLst>
   </p:cSld>
@@ -966,13 +854,7 @@
       </p:grpSpPr>
       <p:sp>
         <p:nvSpPr>
-          <p:cNvPr id="2" name="Titel 1">
-            <a:extLst>
-              <a:ext uri="{FF2B5EF4-FFF2-40B4-BE49-F238E27FC236}">
-                <a16:creationId xmlns:a16="http://schemas.microsoft.com/office/drawing/2014/main" id="{B1B5689B-EF2A-01AB-6130-8A26928AD5D1}"/>
-              </a:ext>
-            </a:extLst>
-          </p:cNvPr>
+          <p:cNvPr id="2" name="Title 1"/>
           <p:cNvSpPr>
             <a:spLocks noGrp="1"/>
           </p:cNvSpPr>
@@ -982,15 +864,15 @@
         </p:nvSpPr>
         <p:spPr>
           <a:xfrm>
-            <a:off x="831850" y="1709738"/>
-            <a:ext cx="10515600" cy="2852737"/>
+            <a:off x="294722" y="897613"/>
+            <a:ext cx="3725645" cy="1497687"/>
           </a:xfrm>
         </p:spPr>
         <p:txBody>
           <a:bodyPr anchor="b"/>
           <a:lstStyle>
             <a:lvl1pPr>
-              <a:defRPr sz="6000"/>
+              <a:defRPr sz="2834"/>
             </a:lvl1pPr>
           </a:lstStyle>
           <a:p>
@@ -998,18 +880,13 @@
               <a:rPr lang="de-DE"/>
               <a:t>Mastertitelformat bearbeiten</a:t>
             </a:r>
-          </a:p>
-        </p:txBody>
-      </p:sp>
-      <p:sp>
-        <p:nvSpPr>
-          <p:cNvPr id="3" name="Textplatzhalter 2">
-            <a:extLst>
-              <a:ext uri="{FF2B5EF4-FFF2-40B4-BE49-F238E27FC236}">
-                <a16:creationId xmlns:a16="http://schemas.microsoft.com/office/drawing/2014/main" id="{EBFBEE19-CB9D-937A-3062-286AB3FD14E2}"/>
-              </a:ext>
-            </a:extLst>
-          </p:cNvPr>
+            <a:endParaRPr lang="en-US" dirty="0"/>
+          </a:p>
+        </p:txBody>
+      </p:sp>
+      <p:sp>
+        <p:nvSpPr>
+          <p:cNvPr id="3" name="Text Placeholder 2"/>
           <p:cNvSpPr>
             <a:spLocks noGrp="1"/>
           </p:cNvSpPr>
@@ -1019,8 +896,8 @@
         </p:nvSpPr>
         <p:spPr>
           <a:xfrm>
-            <a:off x="831850" y="4589463"/>
-            <a:ext cx="10515600" cy="1500187"/>
+            <a:off x="294722" y="2409469"/>
+            <a:ext cx="3725645" cy="787598"/>
           </a:xfrm>
         </p:spPr>
         <p:txBody>
@@ -1028,7 +905,7 @@
           <a:lstStyle>
             <a:lvl1pPr marL="0" indent="0">
               <a:buNone/>
-              <a:defRPr sz="2400">
+              <a:defRPr sz="1134">
                 <a:solidFill>
                   <a:schemeClr val="tx1">
                     <a:tint val="82000"/>
@@ -1036,9 +913,9 @@
                 </a:solidFill>
               </a:defRPr>
             </a:lvl1pPr>
-            <a:lvl2pPr marL="457200" indent="0">
-              <a:buNone/>
-              <a:defRPr sz="2000">
+            <a:lvl2pPr marL="215981" indent="0">
+              <a:buNone/>
+              <a:defRPr sz="945">
                 <a:solidFill>
                   <a:schemeClr val="tx1">
                     <a:tint val="82000"/>
@@ -1046,9 +923,9 @@
                 </a:solidFill>
               </a:defRPr>
             </a:lvl2pPr>
-            <a:lvl3pPr marL="914400" indent="0">
-              <a:buNone/>
-              <a:defRPr sz="1800">
+            <a:lvl3pPr marL="431963" indent="0">
+              <a:buNone/>
+              <a:defRPr sz="850">
                 <a:solidFill>
                   <a:schemeClr val="tx1">
                     <a:tint val="82000"/>
@@ -1056,9 +933,9 @@
                 </a:solidFill>
               </a:defRPr>
             </a:lvl3pPr>
-            <a:lvl4pPr marL="1371600" indent="0">
-              <a:buNone/>
-              <a:defRPr sz="1600">
+            <a:lvl4pPr marL="647944" indent="0">
+              <a:buNone/>
+              <a:defRPr sz="756">
                 <a:solidFill>
                   <a:schemeClr val="tx1">
                     <a:tint val="82000"/>
@@ -1066,9 +943,9 @@
                 </a:solidFill>
               </a:defRPr>
             </a:lvl4pPr>
-            <a:lvl5pPr marL="1828800" indent="0">
-              <a:buNone/>
-              <a:defRPr sz="1600">
+            <a:lvl5pPr marL="863925" indent="0">
+              <a:buNone/>
+              <a:defRPr sz="756">
                 <a:solidFill>
                   <a:schemeClr val="tx1">
                     <a:tint val="82000"/>
@@ -1076,9 +953,9 @@
                 </a:solidFill>
               </a:defRPr>
             </a:lvl5pPr>
-            <a:lvl6pPr marL="2286000" indent="0">
-              <a:buNone/>
-              <a:defRPr sz="1600">
+            <a:lvl6pPr marL="1079906" indent="0">
+              <a:buNone/>
+              <a:defRPr sz="756">
                 <a:solidFill>
                   <a:schemeClr val="tx1">
                     <a:tint val="82000"/>
@@ -1086,9 +963,9 @@
                 </a:solidFill>
               </a:defRPr>
             </a:lvl6pPr>
-            <a:lvl7pPr marL="2743200" indent="0">
-              <a:buNone/>
-              <a:defRPr sz="1600">
+            <a:lvl7pPr marL="1295888" indent="0">
+              <a:buNone/>
+              <a:defRPr sz="756">
                 <a:solidFill>
                   <a:schemeClr val="tx1">
                     <a:tint val="82000"/>
@@ -1096,9 +973,9 @@
                 </a:solidFill>
               </a:defRPr>
             </a:lvl7pPr>
-            <a:lvl8pPr marL="3200400" indent="0">
-              <a:buNone/>
-              <a:defRPr sz="1600">
+            <a:lvl8pPr marL="1511869" indent="0">
+              <a:buNone/>
+              <a:defRPr sz="756">
                 <a:solidFill>
                   <a:schemeClr val="tx1">
                     <a:tint val="82000"/>
@@ -1106,9 +983,9 @@
                 </a:solidFill>
               </a:defRPr>
             </a:lvl8pPr>
-            <a:lvl9pPr marL="3657600" indent="0">
-              <a:buNone/>
-              <a:defRPr sz="1600">
+            <a:lvl9pPr marL="1727850" indent="0">
+              <a:buNone/>
+              <a:defRPr sz="756">
                 <a:solidFill>
                   <a:schemeClr val="tx1">
                     <a:tint val="82000"/>
@@ -1128,13 +1005,7 @@
       </p:sp>
       <p:sp>
         <p:nvSpPr>
-          <p:cNvPr id="4" name="Datumsplatzhalter 3">
-            <a:extLst>
-              <a:ext uri="{FF2B5EF4-FFF2-40B4-BE49-F238E27FC236}">
-                <a16:creationId xmlns:a16="http://schemas.microsoft.com/office/drawing/2014/main" id="{ABA59F42-5138-1C91-CF86-3E29354ECC33}"/>
-              </a:ext>
-            </a:extLst>
-          </p:cNvPr>
+          <p:cNvPr id="4" name="Date Placeholder 3"/>
           <p:cNvSpPr>
             <a:spLocks noGrp="1"/>
           </p:cNvSpPr>
@@ -1149,7 +1020,7 @@
           <a:p>
             <a:fld id="{747FE99C-B6B2-4F84-BF3A-0009E28C1CAC}" type="datetimeFigureOut">
               <a:rPr lang="de-DE" smtClean="0"/>
-              <a:t>23.01.2025</a:t>
+              <a:t>27.01.2025</a:t>
             </a:fld>
             <a:endParaRPr lang="de-DE"/>
           </a:p>
@@ -1157,13 +1028,7 @@
       </p:sp>
       <p:sp>
         <p:nvSpPr>
-          <p:cNvPr id="5" name="Fußzeilenplatzhalter 4">
-            <a:extLst>
-              <a:ext uri="{FF2B5EF4-FFF2-40B4-BE49-F238E27FC236}">
-                <a16:creationId xmlns:a16="http://schemas.microsoft.com/office/drawing/2014/main" id="{978D33C8-9D26-822C-ECE3-2ED4A163ECE1}"/>
-              </a:ext>
-            </a:extLst>
-          </p:cNvPr>
+          <p:cNvPr id="5" name="Footer Placeholder 4"/>
           <p:cNvSpPr>
             <a:spLocks noGrp="1"/>
           </p:cNvSpPr>
@@ -1182,13 +1047,7 @@
       </p:sp>
       <p:sp>
         <p:nvSpPr>
-          <p:cNvPr id="6" name="Foliennummernplatzhalter 5">
-            <a:extLst>
-              <a:ext uri="{FF2B5EF4-FFF2-40B4-BE49-F238E27FC236}">
-                <a16:creationId xmlns:a16="http://schemas.microsoft.com/office/drawing/2014/main" id="{9AFE5F6C-031D-4C8E-AC3A-D95652BD14BD}"/>
-              </a:ext>
-            </a:extLst>
-          </p:cNvPr>
+          <p:cNvPr id="6" name="Slide Number Placeholder 5"/>
           <p:cNvSpPr>
             <a:spLocks noGrp="1"/>
           </p:cNvSpPr>
@@ -1212,7 +1071,7 @@
     </p:spTree>
     <p:extLst>
       <p:ext uri="{BB962C8B-B14F-4D97-AF65-F5344CB8AC3E}">
-        <p14:creationId xmlns:p14="http://schemas.microsoft.com/office/powerpoint/2010/main" val="2469712353"/>
+        <p14:creationId xmlns:p14="http://schemas.microsoft.com/office/powerpoint/2010/main" val="743033507"/>
       </p:ext>
     </p:extLst>
   </p:cSld>
@@ -1241,13 +1100,7 @@
       </p:grpSpPr>
       <p:sp>
         <p:nvSpPr>
-          <p:cNvPr id="2" name="Titel 1">
-            <a:extLst>
-              <a:ext uri="{FF2B5EF4-FFF2-40B4-BE49-F238E27FC236}">
-                <a16:creationId xmlns:a16="http://schemas.microsoft.com/office/drawing/2014/main" id="{9AA2CEC1-7057-2DF4-EDA0-7D85C9EB75E9}"/>
-              </a:ext>
-            </a:extLst>
-          </p:cNvPr>
+          <p:cNvPr id="2" name="Title 1"/>
           <p:cNvSpPr>
             <a:spLocks noGrp="1"/>
           </p:cNvSpPr>
@@ -1264,18 +1117,13 @@
               <a:rPr lang="de-DE"/>
               <a:t>Mastertitelformat bearbeiten</a:t>
             </a:r>
-          </a:p>
-        </p:txBody>
-      </p:sp>
-      <p:sp>
-        <p:nvSpPr>
-          <p:cNvPr id="3" name="Inhaltsplatzhalter 2">
-            <a:extLst>
-              <a:ext uri="{FF2B5EF4-FFF2-40B4-BE49-F238E27FC236}">
-                <a16:creationId xmlns:a16="http://schemas.microsoft.com/office/drawing/2014/main" id="{51A527F4-06F2-17BD-5551-3D3466166AC0}"/>
-              </a:ext>
-            </a:extLst>
-          </p:cNvPr>
+            <a:endParaRPr lang="en-US" dirty="0"/>
+          </a:p>
+        </p:txBody>
+      </p:sp>
+      <p:sp>
+        <p:nvSpPr>
+          <p:cNvPr id="3" name="Content Placeholder 2"/>
           <p:cNvSpPr>
             <a:spLocks noGrp="1"/>
           </p:cNvSpPr>
@@ -1285,8 +1133,8 @@
         </p:nvSpPr>
         <p:spPr>
           <a:xfrm>
-            <a:off x="838200" y="1825625"/>
-            <a:ext cx="5181600" cy="4351338"/>
+            <a:off x="296972" y="958453"/>
+            <a:ext cx="1835825" cy="2284452"/>
           </a:xfrm>
         </p:spPr>
         <p:txBody>
@@ -1326,18 +1174,13 @@
               <a:rPr lang="de-DE"/>
               <a:t>Fünfte Ebene</a:t>
             </a:r>
-          </a:p>
-        </p:txBody>
-      </p:sp>
-      <p:sp>
-        <p:nvSpPr>
-          <p:cNvPr id="4" name="Inhaltsplatzhalter 3">
-            <a:extLst>
-              <a:ext uri="{FF2B5EF4-FFF2-40B4-BE49-F238E27FC236}">
-                <a16:creationId xmlns:a16="http://schemas.microsoft.com/office/drawing/2014/main" id="{456D4801-B560-6916-81A0-E03E19BE1651}"/>
-              </a:ext>
-            </a:extLst>
-          </p:cNvPr>
+            <a:endParaRPr lang="en-US" dirty="0"/>
+          </a:p>
+        </p:txBody>
+      </p:sp>
+      <p:sp>
+        <p:nvSpPr>
+          <p:cNvPr id="4" name="Content Placeholder 3"/>
           <p:cNvSpPr>
             <a:spLocks noGrp="1"/>
           </p:cNvSpPr>
@@ -1347,8 +1190,8 @@
         </p:nvSpPr>
         <p:spPr>
           <a:xfrm>
-            <a:off x="6172200" y="1825625"/>
-            <a:ext cx="5181600" cy="4351338"/>
+            <a:off x="2186791" y="958453"/>
+            <a:ext cx="1835825" cy="2284452"/>
           </a:xfrm>
         </p:spPr>
         <p:txBody>
@@ -1388,18 +1231,13 @@
               <a:rPr lang="de-DE"/>
               <a:t>Fünfte Ebene</a:t>
             </a:r>
-          </a:p>
-        </p:txBody>
-      </p:sp>
-      <p:sp>
-        <p:nvSpPr>
-          <p:cNvPr id="5" name="Datumsplatzhalter 4">
-            <a:extLst>
-              <a:ext uri="{FF2B5EF4-FFF2-40B4-BE49-F238E27FC236}">
-                <a16:creationId xmlns:a16="http://schemas.microsoft.com/office/drawing/2014/main" id="{907BCB68-C525-EEB7-89C8-A6DE8D08580A}"/>
-              </a:ext>
-            </a:extLst>
-          </p:cNvPr>
+            <a:endParaRPr lang="en-US" dirty="0"/>
+          </a:p>
+        </p:txBody>
+      </p:sp>
+      <p:sp>
+        <p:nvSpPr>
+          <p:cNvPr id="5" name="Date Placeholder 4"/>
           <p:cNvSpPr>
             <a:spLocks noGrp="1"/>
           </p:cNvSpPr>
@@ -1414,7 +1252,7 @@
           <a:p>
             <a:fld id="{747FE99C-B6B2-4F84-BF3A-0009E28C1CAC}" type="datetimeFigureOut">
               <a:rPr lang="de-DE" smtClean="0"/>
-              <a:t>23.01.2025</a:t>
+              <a:t>27.01.2025</a:t>
             </a:fld>
             <a:endParaRPr lang="de-DE"/>
           </a:p>
@@ -1422,13 +1260,7 @@
       </p:sp>
       <p:sp>
         <p:nvSpPr>
-          <p:cNvPr id="6" name="Fußzeilenplatzhalter 5">
-            <a:extLst>
-              <a:ext uri="{FF2B5EF4-FFF2-40B4-BE49-F238E27FC236}">
-                <a16:creationId xmlns:a16="http://schemas.microsoft.com/office/drawing/2014/main" id="{49D67BA8-AA30-4D83-8DAA-5FAD2429CF50}"/>
-              </a:ext>
-            </a:extLst>
-          </p:cNvPr>
+          <p:cNvPr id="6" name="Footer Placeholder 5"/>
           <p:cNvSpPr>
             <a:spLocks noGrp="1"/>
           </p:cNvSpPr>
@@ -1447,13 +1279,7 @@
       </p:sp>
       <p:sp>
         <p:nvSpPr>
-          <p:cNvPr id="7" name="Foliennummernplatzhalter 6">
-            <a:extLst>
-              <a:ext uri="{FF2B5EF4-FFF2-40B4-BE49-F238E27FC236}">
-                <a16:creationId xmlns:a16="http://schemas.microsoft.com/office/drawing/2014/main" id="{DA96A4E5-AFA4-6235-B57D-F2016388B069}"/>
-              </a:ext>
-            </a:extLst>
-          </p:cNvPr>
+          <p:cNvPr id="7" name="Slide Number Placeholder 6"/>
           <p:cNvSpPr>
             <a:spLocks noGrp="1"/>
           </p:cNvSpPr>
@@ -1477,7 +1303,7 @@
     </p:spTree>
     <p:extLst>
       <p:ext uri="{BB962C8B-B14F-4D97-AF65-F5344CB8AC3E}">
-        <p14:creationId xmlns:p14="http://schemas.microsoft.com/office/powerpoint/2010/main" val="1651416690"/>
+        <p14:creationId xmlns:p14="http://schemas.microsoft.com/office/powerpoint/2010/main" val="2387407197"/>
       </p:ext>
     </p:extLst>
   </p:cSld>
@@ -1506,13 +1332,7 @@
       </p:grpSpPr>
       <p:sp>
         <p:nvSpPr>
-          <p:cNvPr id="2" name="Titel 1">
-            <a:extLst>
-              <a:ext uri="{FF2B5EF4-FFF2-40B4-BE49-F238E27FC236}">
-                <a16:creationId xmlns:a16="http://schemas.microsoft.com/office/drawing/2014/main" id="{6AF10979-F6F4-BF47-ECC8-CB010E0D976A}"/>
-              </a:ext>
-            </a:extLst>
-          </p:cNvPr>
+          <p:cNvPr id="2" name="Title 1"/>
           <p:cNvSpPr>
             <a:spLocks noGrp="1"/>
           </p:cNvSpPr>
@@ -1522,8 +1342,8 @@
         </p:nvSpPr>
         <p:spPr>
           <a:xfrm>
-            <a:off x="839788" y="365125"/>
-            <a:ext cx="10515600" cy="1325563"/>
+            <a:off x="297534" y="191691"/>
+            <a:ext cx="3725645" cy="695921"/>
           </a:xfrm>
         </p:spPr>
         <p:txBody>
@@ -1534,18 +1354,13 @@
               <a:rPr lang="de-DE"/>
               <a:t>Mastertitelformat bearbeiten</a:t>
             </a:r>
-          </a:p>
-        </p:txBody>
-      </p:sp>
-      <p:sp>
-        <p:nvSpPr>
-          <p:cNvPr id="3" name="Textplatzhalter 2">
-            <a:extLst>
-              <a:ext uri="{FF2B5EF4-FFF2-40B4-BE49-F238E27FC236}">
-                <a16:creationId xmlns:a16="http://schemas.microsoft.com/office/drawing/2014/main" id="{933F34F9-F32F-2AAE-9BD1-C09511CEEF54}"/>
-              </a:ext>
-            </a:extLst>
-          </p:cNvPr>
+            <a:endParaRPr lang="en-US" dirty="0"/>
+          </a:p>
+        </p:txBody>
+      </p:sp>
+      <p:sp>
+        <p:nvSpPr>
+          <p:cNvPr id="3" name="Text Placeholder 2"/>
           <p:cNvSpPr>
             <a:spLocks noGrp="1"/>
           </p:cNvSpPr>
@@ -1555,8 +1370,8 @@
         </p:nvSpPr>
         <p:spPr>
           <a:xfrm>
-            <a:off x="839788" y="1681163"/>
-            <a:ext cx="5157787" cy="823912"/>
+            <a:off x="297535" y="882610"/>
+            <a:ext cx="1827388" cy="432554"/>
           </a:xfrm>
         </p:spPr>
         <p:txBody>
@@ -1564,39 +1379,39 @@
           <a:lstStyle>
             <a:lvl1pPr marL="0" indent="0">
               <a:buNone/>
-              <a:defRPr sz="2400" b="1"/>
+              <a:defRPr sz="1134" b="1"/>
             </a:lvl1pPr>
-            <a:lvl2pPr marL="457200" indent="0">
-              <a:buNone/>
-              <a:defRPr sz="2000" b="1"/>
+            <a:lvl2pPr marL="215981" indent="0">
+              <a:buNone/>
+              <a:defRPr sz="945" b="1"/>
             </a:lvl2pPr>
-            <a:lvl3pPr marL="914400" indent="0">
-              <a:buNone/>
-              <a:defRPr sz="1800" b="1"/>
+            <a:lvl3pPr marL="431963" indent="0">
+              <a:buNone/>
+              <a:defRPr sz="850" b="1"/>
             </a:lvl3pPr>
-            <a:lvl4pPr marL="1371600" indent="0">
-              <a:buNone/>
-              <a:defRPr sz="1600" b="1"/>
+            <a:lvl4pPr marL="647944" indent="0">
+              <a:buNone/>
+              <a:defRPr sz="756" b="1"/>
             </a:lvl4pPr>
-            <a:lvl5pPr marL="1828800" indent="0">
-              <a:buNone/>
-              <a:defRPr sz="1600" b="1"/>
+            <a:lvl5pPr marL="863925" indent="0">
+              <a:buNone/>
+              <a:defRPr sz="756" b="1"/>
             </a:lvl5pPr>
-            <a:lvl6pPr marL="2286000" indent="0">
-              <a:buNone/>
-              <a:defRPr sz="1600" b="1"/>
+            <a:lvl6pPr marL="1079906" indent="0">
+              <a:buNone/>
+              <a:defRPr sz="756" b="1"/>
             </a:lvl6pPr>
-            <a:lvl7pPr marL="2743200" indent="0">
-              <a:buNone/>
-              <a:defRPr sz="1600" b="1"/>
+            <a:lvl7pPr marL="1295888" indent="0">
+              <a:buNone/>
+              <a:defRPr sz="756" b="1"/>
             </a:lvl7pPr>
-            <a:lvl8pPr marL="3200400" indent="0">
-              <a:buNone/>
-              <a:defRPr sz="1600" b="1"/>
+            <a:lvl8pPr marL="1511869" indent="0">
+              <a:buNone/>
+              <a:defRPr sz="756" b="1"/>
             </a:lvl8pPr>
-            <a:lvl9pPr marL="3657600" indent="0">
-              <a:buNone/>
-              <a:defRPr sz="1600" b="1"/>
+            <a:lvl9pPr marL="1727850" indent="0">
+              <a:buNone/>
+              <a:defRPr sz="756" b="1"/>
             </a:lvl9pPr>
           </a:lstStyle>
           <a:p>
@@ -1610,13 +1425,7 @@
       </p:sp>
       <p:sp>
         <p:nvSpPr>
-          <p:cNvPr id="4" name="Inhaltsplatzhalter 3">
-            <a:extLst>
-              <a:ext uri="{FF2B5EF4-FFF2-40B4-BE49-F238E27FC236}">
-                <a16:creationId xmlns:a16="http://schemas.microsoft.com/office/drawing/2014/main" id="{18399B6E-D577-0CAD-CE4F-BCA54A73A124}"/>
-              </a:ext>
-            </a:extLst>
-          </p:cNvPr>
+          <p:cNvPr id="4" name="Content Placeholder 3"/>
           <p:cNvSpPr>
             <a:spLocks noGrp="1"/>
           </p:cNvSpPr>
@@ -1626,8 +1435,8 @@
         </p:nvSpPr>
         <p:spPr>
           <a:xfrm>
-            <a:off x="839788" y="2505075"/>
-            <a:ext cx="5157787" cy="3684588"/>
+            <a:off x="297535" y="1315164"/>
+            <a:ext cx="1827388" cy="1934409"/>
           </a:xfrm>
         </p:spPr>
         <p:txBody>
@@ -1667,18 +1476,13 @@
               <a:rPr lang="de-DE"/>
               <a:t>Fünfte Ebene</a:t>
             </a:r>
-          </a:p>
-        </p:txBody>
-      </p:sp>
-      <p:sp>
-        <p:nvSpPr>
-          <p:cNvPr id="5" name="Textplatzhalter 4">
-            <a:extLst>
-              <a:ext uri="{FF2B5EF4-FFF2-40B4-BE49-F238E27FC236}">
-                <a16:creationId xmlns:a16="http://schemas.microsoft.com/office/drawing/2014/main" id="{D3128078-5119-CED2-670C-97E040BD9B9E}"/>
-              </a:ext>
-            </a:extLst>
-          </p:cNvPr>
+            <a:endParaRPr lang="en-US" dirty="0"/>
+          </a:p>
+        </p:txBody>
+      </p:sp>
+      <p:sp>
+        <p:nvSpPr>
+          <p:cNvPr id="5" name="Text Placeholder 4"/>
           <p:cNvSpPr>
             <a:spLocks noGrp="1"/>
           </p:cNvSpPr>
@@ -1688,8 +1492,8 @@
         </p:nvSpPr>
         <p:spPr>
           <a:xfrm>
-            <a:off x="6172200" y="1681163"/>
-            <a:ext cx="5183188" cy="823912"/>
+            <a:off x="2186791" y="882610"/>
+            <a:ext cx="1836388" cy="432554"/>
           </a:xfrm>
         </p:spPr>
         <p:txBody>
@@ -1697,39 +1501,39 @@
           <a:lstStyle>
             <a:lvl1pPr marL="0" indent="0">
               <a:buNone/>
-              <a:defRPr sz="2400" b="1"/>
+              <a:defRPr sz="1134" b="1"/>
             </a:lvl1pPr>
-            <a:lvl2pPr marL="457200" indent="0">
-              <a:buNone/>
-              <a:defRPr sz="2000" b="1"/>
+            <a:lvl2pPr marL="215981" indent="0">
+              <a:buNone/>
+              <a:defRPr sz="945" b="1"/>
             </a:lvl2pPr>
-            <a:lvl3pPr marL="914400" indent="0">
-              <a:buNone/>
-              <a:defRPr sz="1800" b="1"/>
+            <a:lvl3pPr marL="431963" indent="0">
+              <a:buNone/>
+              <a:defRPr sz="850" b="1"/>
             </a:lvl3pPr>
-            <a:lvl4pPr marL="1371600" indent="0">
-              <a:buNone/>
-              <a:defRPr sz="1600" b="1"/>
+            <a:lvl4pPr marL="647944" indent="0">
+              <a:buNone/>
+              <a:defRPr sz="756" b="1"/>
             </a:lvl4pPr>
-            <a:lvl5pPr marL="1828800" indent="0">
-              <a:buNone/>
-              <a:defRPr sz="1600" b="1"/>
+            <a:lvl5pPr marL="863925" indent="0">
+              <a:buNone/>
+              <a:defRPr sz="756" b="1"/>
             </a:lvl5pPr>
-            <a:lvl6pPr marL="2286000" indent="0">
-              <a:buNone/>
-              <a:defRPr sz="1600" b="1"/>
+            <a:lvl6pPr marL="1079906" indent="0">
+              <a:buNone/>
+              <a:defRPr sz="756" b="1"/>
             </a:lvl6pPr>
-            <a:lvl7pPr marL="2743200" indent="0">
-              <a:buNone/>
-              <a:defRPr sz="1600" b="1"/>
+            <a:lvl7pPr marL="1295888" indent="0">
+              <a:buNone/>
+              <a:defRPr sz="756" b="1"/>
             </a:lvl7pPr>
-            <a:lvl8pPr marL="3200400" indent="0">
-              <a:buNone/>
-              <a:defRPr sz="1600" b="1"/>
+            <a:lvl8pPr marL="1511869" indent="0">
+              <a:buNone/>
+              <a:defRPr sz="756" b="1"/>
             </a:lvl8pPr>
-            <a:lvl9pPr marL="3657600" indent="0">
-              <a:buNone/>
-              <a:defRPr sz="1600" b="1"/>
+            <a:lvl9pPr marL="1727850" indent="0">
+              <a:buNone/>
+              <a:defRPr sz="756" b="1"/>
             </a:lvl9pPr>
           </a:lstStyle>
           <a:p>
@@ -1743,13 +1547,7 @@
       </p:sp>
       <p:sp>
         <p:nvSpPr>
-          <p:cNvPr id="6" name="Inhaltsplatzhalter 5">
-            <a:extLst>
-              <a:ext uri="{FF2B5EF4-FFF2-40B4-BE49-F238E27FC236}">
-                <a16:creationId xmlns:a16="http://schemas.microsoft.com/office/drawing/2014/main" id="{2C52D37C-3C39-6869-7DBB-E9469776D205}"/>
-              </a:ext>
-            </a:extLst>
-          </p:cNvPr>
+          <p:cNvPr id="6" name="Content Placeholder 5"/>
           <p:cNvSpPr>
             <a:spLocks noGrp="1"/>
           </p:cNvSpPr>
@@ -1759,8 +1557,8 @@
         </p:nvSpPr>
         <p:spPr>
           <a:xfrm>
-            <a:off x="6172200" y="2505075"/>
-            <a:ext cx="5183188" cy="3684588"/>
+            <a:off x="2186791" y="1315164"/>
+            <a:ext cx="1836388" cy="1934409"/>
           </a:xfrm>
         </p:spPr>
         <p:txBody>
@@ -1800,18 +1598,13 @@
               <a:rPr lang="de-DE"/>
               <a:t>Fünfte Ebene</a:t>
             </a:r>
-          </a:p>
-        </p:txBody>
-      </p:sp>
-      <p:sp>
-        <p:nvSpPr>
-          <p:cNvPr id="7" name="Datumsplatzhalter 6">
-            <a:extLst>
-              <a:ext uri="{FF2B5EF4-FFF2-40B4-BE49-F238E27FC236}">
-                <a16:creationId xmlns:a16="http://schemas.microsoft.com/office/drawing/2014/main" id="{0CCAE057-52E2-84AA-3750-F592609AF3F8}"/>
-              </a:ext>
-            </a:extLst>
-          </p:cNvPr>
+            <a:endParaRPr lang="en-US" dirty="0"/>
+          </a:p>
+        </p:txBody>
+      </p:sp>
+      <p:sp>
+        <p:nvSpPr>
+          <p:cNvPr id="7" name="Date Placeholder 6"/>
           <p:cNvSpPr>
             <a:spLocks noGrp="1"/>
           </p:cNvSpPr>
@@ -1826,7 +1619,7 @@
           <a:p>
             <a:fld id="{747FE99C-B6B2-4F84-BF3A-0009E28C1CAC}" type="datetimeFigureOut">
               <a:rPr lang="de-DE" smtClean="0"/>
-              <a:t>23.01.2025</a:t>
+              <a:t>27.01.2025</a:t>
             </a:fld>
             <a:endParaRPr lang="de-DE"/>
           </a:p>
@@ -1834,13 +1627,7 @@
       </p:sp>
       <p:sp>
         <p:nvSpPr>
-          <p:cNvPr id="8" name="Fußzeilenplatzhalter 7">
-            <a:extLst>
-              <a:ext uri="{FF2B5EF4-FFF2-40B4-BE49-F238E27FC236}">
-                <a16:creationId xmlns:a16="http://schemas.microsoft.com/office/drawing/2014/main" id="{54941DB5-0A64-456D-B89C-522E3326AFA0}"/>
-              </a:ext>
-            </a:extLst>
-          </p:cNvPr>
+          <p:cNvPr id="8" name="Footer Placeholder 7"/>
           <p:cNvSpPr>
             <a:spLocks noGrp="1"/>
           </p:cNvSpPr>
@@ -1859,13 +1646,7 @@
       </p:sp>
       <p:sp>
         <p:nvSpPr>
-          <p:cNvPr id="9" name="Foliennummernplatzhalter 8">
-            <a:extLst>
-              <a:ext uri="{FF2B5EF4-FFF2-40B4-BE49-F238E27FC236}">
-                <a16:creationId xmlns:a16="http://schemas.microsoft.com/office/drawing/2014/main" id="{05C5C2AA-CD74-AA16-5775-866596C1DE89}"/>
-              </a:ext>
-            </a:extLst>
-          </p:cNvPr>
+          <p:cNvPr id="9" name="Slide Number Placeholder 8"/>
           <p:cNvSpPr>
             <a:spLocks noGrp="1"/>
           </p:cNvSpPr>
@@ -1889,7 +1670,7 @@
     </p:spTree>
     <p:extLst>
       <p:ext uri="{BB962C8B-B14F-4D97-AF65-F5344CB8AC3E}">
-        <p14:creationId xmlns:p14="http://schemas.microsoft.com/office/powerpoint/2010/main" val="1519755996"/>
+        <p14:creationId xmlns:p14="http://schemas.microsoft.com/office/powerpoint/2010/main" val="2169876849"/>
       </p:ext>
     </p:extLst>
   </p:cSld>
@@ -1918,13 +1699,7 @@
       </p:grpSpPr>
       <p:sp>
         <p:nvSpPr>
-          <p:cNvPr id="2" name="Titel 1">
-            <a:extLst>
-              <a:ext uri="{FF2B5EF4-FFF2-40B4-BE49-F238E27FC236}">
-                <a16:creationId xmlns:a16="http://schemas.microsoft.com/office/drawing/2014/main" id="{A33F1EDD-CA83-380E-485F-13651851B6ED}"/>
-              </a:ext>
-            </a:extLst>
-          </p:cNvPr>
+          <p:cNvPr id="2" name="Title 1"/>
           <p:cNvSpPr>
             <a:spLocks noGrp="1"/>
           </p:cNvSpPr>
@@ -1941,18 +1716,13 @@
               <a:rPr lang="de-DE"/>
               <a:t>Mastertitelformat bearbeiten</a:t>
             </a:r>
-          </a:p>
-        </p:txBody>
-      </p:sp>
-      <p:sp>
-        <p:nvSpPr>
-          <p:cNvPr id="3" name="Datumsplatzhalter 2">
-            <a:extLst>
-              <a:ext uri="{FF2B5EF4-FFF2-40B4-BE49-F238E27FC236}">
-                <a16:creationId xmlns:a16="http://schemas.microsoft.com/office/drawing/2014/main" id="{C8915413-93D8-4A40-3A3E-7F7179FB67DA}"/>
-              </a:ext>
-            </a:extLst>
-          </p:cNvPr>
+            <a:endParaRPr lang="en-US" dirty="0"/>
+          </a:p>
+        </p:txBody>
+      </p:sp>
+      <p:sp>
+        <p:nvSpPr>
+          <p:cNvPr id="3" name="Date Placeholder 2"/>
           <p:cNvSpPr>
             <a:spLocks noGrp="1"/>
           </p:cNvSpPr>
@@ -1967,7 +1737,7 @@
           <a:p>
             <a:fld id="{747FE99C-B6B2-4F84-BF3A-0009E28C1CAC}" type="datetimeFigureOut">
               <a:rPr lang="de-DE" smtClean="0"/>
-              <a:t>23.01.2025</a:t>
+              <a:t>27.01.2025</a:t>
             </a:fld>
             <a:endParaRPr lang="de-DE"/>
           </a:p>
@@ -1975,13 +1745,7 @@
       </p:sp>
       <p:sp>
         <p:nvSpPr>
-          <p:cNvPr id="4" name="Fußzeilenplatzhalter 3">
-            <a:extLst>
-              <a:ext uri="{FF2B5EF4-FFF2-40B4-BE49-F238E27FC236}">
-                <a16:creationId xmlns:a16="http://schemas.microsoft.com/office/drawing/2014/main" id="{9B882E40-A1CA-23E9-BB3D-A1DDD7E5D828}"/>
-              </a:ext>
-            </a:extLst>
-          </p:cNvPr>
+          <p:cNvPr id="4" name="Footer Placeholder 3"/>
           <p:cNvSpPr>
             <a:spLocks noGrp="1"/>
           </p:cNvSpPr>
@@ -2000,13 +1764,7 @@
       </p:sp>
       <p:sp>
         <p:nvSpPr>
-          <p:cNvPr id="5" name="Foliennummernplatzhalter 4">
-            <a:extLst>
-              <a:ext uri="{FF2B5EF4-FFF2-40B4-BE49-F238E27FC236}">
-                <a16:creationId xmlns:a16="http://schemas.microsoft.com/office/drawing/2014/main" id="{F75B9E6F-820C-06F1-AB02-0A4F13673EEA}"/>
-              </a:ext>
-            </a:extLst>
-          </p:cNvPr>
+          <p:cNvPr id="5" name="Slide Number Placeholder 4"/>
           <p:cNvSpPr>
             <a:spLocks noGrp="1"/>
           </p:cNvSpPr>
@@ -2030,7 +1788,7 @@
     </p:spTree>
     <p:extLst>
       <p:ext uri="{BB962C8B-B14F-4D97-AF65-F5344CB8AC3E}">
-        <p14:creationId xmlns:p14="http://schemas.microsoft.com/office/powerpoint/2010/main" val="1228775092"/>
+        <p14:creationId xmlns:p14="http://schemas.microsoft.com/office/powerpoint/2010/main" val="1242696899"/>
       </p:ext>
     </p:extLst>
   </p:cSld>
@@ -2059,13 +1817,7 @@
       </p:grpSpPr>
       <p:sp>
         <p:nvSpPr>
-          <p:cNvPr id="2" name="Datumsplatzhalter 1">
-            <a:extLst>
-              <a:ext uri="{FF2B5EF4-FFF2-40B4-BE49-F238E27FC236}">
-                <a16:creationId xmlns:a16="http://schemas.microsoft.com/office/drawing/2014/main" id="{0AE8A621-DB1C-36F2-BB33-523E8628C8D1}"/>
-              </a:ext>
-            </a:extLst>
-          </p:cNvPr>
+          <p:cNvPr id="2" name="Date Placeholder 1"/>
           <p:cNvSpPr>
             <a:spLocks noGrp="1"/>
           </p:cNvSpPr>
@@ -2080,7 +1832,7 @@
           <a:p>
             <a:fld id="{747FE99C-B6B2-4F84-BF3A-0009E28C1CAC}" type="datetimeFigureOut">
               <a:rPr lang="de-DE" smtClean="0"/>
-              <a:t>23.01.2025</a:t>
+              <a:t>27.01.2025</a:t>
             </a:fld>
             <a:endParaRPr lang="de-DE"/>
           </a:p>
@@ -2088,13 +1840,7 @@
       </p:sp>
       <p:sp>
         <p:nvSpPr>
-          <p:cNvPr id="3" name="Fußzeilenplatzhalter 2">
-            <a:extLst>
-              <a:ext uri="{FF2B5EF4-FFF2-40B4-BE49-F238E27FC236}">
-                <a16:creationId xmlns:a16="http://schemas.microsoft.com/office/drawing/2014/main" id="{DA0F292B-7D06-68C7-2BE9-F77B2CC07655}"/>
-              </a:ext>
-            </a:extLst>
-          </p:cNvPr>
+          <p:cNvPr id="3" name="Footer Placeholder 2"/>
           <p:cNvSpPr>
             <a:spLocks noGrp="1"/>
           </p:cNvSpPr>
@@ -2113,13 +1859,7 @@
       </p:sp>
       <p:sp>
         <p:nvSpPr>
-          <p:cNvPr id="4" name="Foliennummernplatzhalter 3">
-            <a:extLst>
-              <a:ext uri="{FF2B5EF4-FFF2-40B4-BE49-F238E27FC236}">
-                <a16:creationId xmlns:a16="http://schemas.microsoft.com/office/drawing/2014/main" id="{0F93AE3F-8971-55AC-0C66-7B297BD9C85A}"/>
-              </a:ext>
-            </a:extLst>
-          </p:cNvPr>
+          <p:cNvPr id="4" name="Slide Number Placeholder 3"/>
           <p:cNvSpPr>
             <a:spLocks noGrp="1"/>
           </p:cNvSpPr>
@@ -2143,7 +1883,7 @@
     </p:spTree>
     <p:extLst>
       <p:ext uri="{BB962C8B-B14F-4D97-AF65-F5344CB8AC3E}">
-        <p14:creationId xmlns:p14="http://schemas.microsoft.com/office/powerpoint/2010/main" val="3700591795"/>
+        <p14:creationId xmlns:p14="http://schemas.microsoft.com/office/powerpoint/2010/main" val="1603448051"/>
       </p:ext>
     </p:extLst>
   </p:cSld>
@@ -2172,13 +1912,7 @@
       </p:grpSpPr>
       <p:sp>
         <p:nvSpPr>
-          <p:cNvPr id="2" name="Titel 1">
-            <a:extLst>
-              <a:ext uri="{FF2B5EF4-FFF2-40B4-BE49-F238E27FC236}">
-                <a16:creationId xmlns:a16="http://schemas.microsoft.com/office/drawing/2014/main" id="{EA7F2A2D-0F40-3495-BBA8-A25B161C2D4A}"/>
-              </a:ext>
-            </a:extLst>
-          </p:cNvPr>
+          <p:cNvPr id="2" name="Title 1"/>
           <p:cNvSpPr>
             <a:spLocks noGrp="1"/>
           </p:cNvSpPr>
@@ -2188,15 +1922,15 @@
         </p:nvSpPr>
         <p:spPr>
           <a:xfrm>
-            <a:off x="839788" y="457200"/>
-            <a:ext cx="3932237" cy="1600200"/>
+            <a:off x="297534" y="240030"/>
+            <a:ext cx="1393180" cy="840105"/>
           </a:xfrm>
         </p:spPr>
         <p:txBody>
           <a:bodyPr anchor="b"/>
           <a:lstStyle>
             <a:lvl1pPr>
-              <a:defRPr sz="3200"/>
+              <a:defRPr sz="1512"/>
             </a:lvl1pPr>
           </a:lstStyle>
           <a:p>
@@ -2204,18 +1938,13 @@
               <a:rPr lang="de-DE"/>
               <a:t>Mastertitelformat bearbeiten</a:t>
             </a:r>
-          </a:p>
-        </p:txBody>
-      </p:sp>
-      <p:sp>
-        <p:nvSpPr>
-          <p:cNvPr id="3" name="Inhaltsplatzhalter 2">
-            <a:extLst>
-              <a:ext uri="{FF2B5EF4-FFF2-40B4-BE49-F238E27FC236}">
-                <a16:creationId xmlns:a16="http://schemas.microsoft.com/office/drawing/2014/main" id="{0BD86350-B285-1961-7163-20993167FBD4}"/>
-              </a:ext>
-            </a:extLst>
-          </p:cNvPr>
+            <a:endParaRPr lang="en-US" dirty="0"/>
+          </a:p>
+        </p:txBody>
+      </p:sp>
+      <p:sp>
+        <p:nvSpPr>
+          <p:cNvPr id="3" name="Content Placeholder 2"/>
           <p:cNvSpPr>
             <a:spLocks noGrp="1"/>
           </p:cNvSpPr>
@@ -2225,39 +1954,39 @@
         </p:nvSpPr>
         <p:spPr>
           <a:xfrm>
-            <a:off x="5183188" y="987425"/>
-            <a:ext cx="6172200" cy="4873625"/>
+            <a:off x="1836388" y="518399"/>
+            <a:ext cx="2186791" cy="2558653"/>
           </a:xfrm>
         </p:spPr>
         <p:txBody>
           <a:bodyPr/>
           <a:lstStyle>
             <a:lvl1pPr>
-              <a:defRPr sz="3200"/>
+              <a:defRPr sz="1512"/>
             </a:lvl1pPr>
             <a:lvl2pPr>
-              <a:defRPr sz="2800"/>
+              <a:defRPr sz="1323"/>
             </a:lvl2pPr>
             <a:lvl3pPr>
-              <a:defRPr sz="2400"/>
+              <a:defRPr sz="1134"/>
             </a:lvl3pPr>
             <a:lvl4pPr>
-              <a:defRPr sz="2000"/>
+              <a:defRPr sz="945"/>
             </a:lvl4pPr>
             <a:lvl5pPr>
-              <a:defRPr sz="2000"/>
+              <a:defRPr sz="945"/>
             </a:lvl5pPr>
             <a:lvl6pPr>
-              <a:defRPr sz="2000"/>
+              <a:defRPr sz="945"/>
             </a:lvl6pPr>
             <a:lvl7pPr>
-              <a:defRPr sz="2000"/>
+              <a:defRPr sz="945"/>
             </a:lvl7pPr>
             <a:lvl8pPr>
-              <a:defRPr sz="2000"/>
+              <a:defRPr sz="945"/>
             </a:lvl8pPr>
             <a:lvl9pPr>
-              <a:defRPr sz="2000"/>
+              <a:defRPr sz="945"/>
             </a:lvl9pPr>
           </a:lstStyle>
           <a:p>
@@ -2294,18 +2023,13 @@
               <a:rPr lang="de-DE"/>
               <a:t>Fünfte Ebene</a:t>
             </a:r>
-          </a:p>
-        </p:txBody>
-      </p:sp>
-      <p:sp>
-        <p:nvSpPr>
-          <p:cNvPr id="4" name="Textplatzhalter 3">
-            <a:extLst>
-              <a:ext uri="{FF2B5EF4-FFF2-40B4-BE49-F238E27FC236}">
-                <a16:creationId xmlns:a16="http://schemas.microsoft.com/office/drawing/2014/main" id="{4C022CA2-0548-CC85-CF9B-F72E833CBA6F}"/>
-              </a:ext>
-            </a:extLst>
-          </p:cNvPr>
+            <a:endParaRPr lang="en-US" dirty="0"/>
+          </a:p>
+        </p:txBody>
+      </p:sp>
+      <p:sp>
+        <p:nvSpPr>
+          <p:cNvPr id="4" name="Text Placeholder 3"/>
           <p:cNvSpPr>
             <a:spLocks noGrp="1"/>
           </p:cNvSpPr>
@@ -2315,8 +2039,8 @@
         </p:nvSpPr>
         <p:spPr>
           <a:xfrm>
-            <a:off x="839788" y="2057400"/>
-            <a:ext cx="3932237" cy="3811588"/>
+            <a:off x="297534" y="1080135"/>
+            <a:ext cx="1393180" cy="2001084"/>
           </a:xfrm>
         </p:spPr>
         <p:txBody>
@@ -2324,39 +2048,39 @@
           <a:lstStyle>
             <a:lvl1pPr marL="0" indent="0">
               <a:buNone/>
-              <a:defRPr sz="1600"/>
+              <a:defRPr sz="756"/>
             </a:lvl1pPr>
-            <a:lvl2pPr marL="457200" indent="0">
-              <a:buNone/>
-              <a:defRPr sz="1400"/>
+            <a:lvl2pPr marL="215981" indent="0">
+              <a:buNone/>
+              <a:defRPr sz="661"/>
             </a:lvl2pPr>
-            <a:lvl3pPr marL="914400" indent="0">
-              <a:buNone/>
-              <a:defRPr sz="1200"/>
+            <a:lvl3pPr marL="431963" indent="0">
+              <a:buNone/>
+              <a:defRPr sz="567"/>
             </a:lvl3pPr>
-            <a:lvl4pPr marL="1371600" indent="0">
-              <a:buNone/>
-              <a:defRPr sz="1000"/>
+            <a:lvl4pPr marL="647944" indent="0">
+              <a:buNone/>
+              <a:defRPr sz="472"/>
             </a:lvl4pPr>
-            <a:lvl5pPr marL="1828800" indent="0">
-              <a:buNone/>
-              <a:defRPr sz="1000"/>
+            <a:lvl5pPr marL="863925" indent="0">
+              <a:buNone/>
+              <a:defRPr sz="472"/>
             </a:lvl5pPr>
-            <a:lvl6pPr marL="2286000" indent="0">
-              <a:buNone/>
-              <a:defRPr sz="1000"/>
+            <a:lvl6pPr marL="1079906" indent="0">
+              <a:buNone/>
+              <a:defRPr sz="472"/>
             </a:lvl6pPr>
-            <a:lvl7pPr marL="2743200" indent="0">
-              <a:buNone/>
-              <a:defRPr sz="1000"/>
+            <a:lvl7pPr marL="1295888" indent="0">
+              <a:buNone/>
+              <a:defRPr sz="472"/>
             </a:lvl7pPr>
-            <a:lvl8pPr marL="3200400" indent="0">
-              <a:buNone/>
-              <a:defRPr sz="1000"/>
+            <a:lvl8pPr marL="1511869" indent="0">
+              <a:buNone/>
+              <a:defRPr sz="472"/>
             </a:lvl8pPr>
-            <a:lvl9pPr marL="3657600" indent="0">
-              <a:buNone/>
-              <a:defRPr sz="1000"/>
+            <a:lvl9pPr marL="1727850" indent="0">
+              <a:buNone/>
+              <a:defRPr sz="472"/>
             </a:lvl9pPr>
           </a:lstStyle>
           <a:p>
@@ -2370,13 +2094,7 @@
       </p:sp>
       <p:sp>
         <p:nvSpPr>
-          <p:cNvPr id="5" name="Datumsplatzhalter 4">
-            <a:extLst>
-              <a:ext uri="{FF2B5EF4-FFF2-40B4-BE49-F238E27FC236}">
-                <a16:creationId xmlns:a16="http://schemas.microsoft.com/office/drawing/2014/main" id="{18150397-EB00-2F7F-DB6F-DDD25A108023}"/>
-              </a:ext>
-            </a:extLst>
-          </p:cNvPr>
+          <p:cNvPr id="5" name="Date Placeholder 4"/>
           <p:cNvSpPr>
             <a:spLocks noGrp="1"/>
           </p:cNvSpPr>
@@ -2391,7 +2109,7 @@
           <a:p>
             <a:fld id="{747FE99C-B6B2-4F84-BF3A-0009E28C1CAC}" type="datetimeFigureOut">
               <a:rPr lang="de-DE" smtClean="0"/>
-              <a:t>23.01.2025</a:t>
+              <a:t>27.01.2025</a:t>
             </a:fld>
             <a:endParaRPr lang="de-DE"/>
           </a:p>
@@ -2399,13 +2117,7 @@
       </p:sp>
       <p:sp>
         <p:nvSpPr>
-          <p:cNvPr id="6" name="Fußzeilenplatzhalter 5">
-            <a:extLst>
-              <a:ext uri="{FF2B5EF4-FFF2-40B4-BE49-F238E27FC236}">
-                <a16:creationId xmlns:a16="http://schemas.microsoft.com/office/drawing/2014/main" id="{24295ED6-960F-2908-B451-35ABAA7E4BA6}"/>
-              </a:ext>
-            </a:extLst>
-          </p:cNvPr>
+          <p:cNvPr id="6" name="Footer Placeholder 5"/>
           <p:cNvSpPr>
             <a:spLocks noGrp="1"/>
           </p:cNvSpPr>
@@ -2424,13 +2136,7 @@
       </p:sp>
       <p:sp>
         <p:nvSpPr>
-          <p:cNvPr id="7" name="Foliennummernplatzhalter 6">
-            <a:extLst>
-              <a:ext uri="{FF2B5EF4-FFF2-40B4-BE49-F238E27FC236}">
-                <a16:creationId xmlns:a16="http://schemas.microsoft.com/office/drawing/2014/main" id="{56E088D2-D0A6-B375-BD6D-D138453AEA5D}"/>
-              </a:ext>
-            </a:extLst>
-          </p:cNvPr>
+          <p:cNvPr id="7" name="Slide Number Placeholder 6"/>
           <p:cNvSpPr>
             <a:spLocks noGrp="1"/>
           </p:cNvSpPr>
@@ -2454,7 +2160,7 @@
     </p:spTree>
     <p:extLst>
       <p:ext uri="{BB962C8B-B14F-4D97-AF65-F5344CB8AC3E}">
-        <p14:creationId xmlns:p14="http://schemas.microsoft.com/office/powerpoint/2010/main" val="3391341317"/>
+        <p14:creationId xmlns:p14="http://schemas.microsoft.com/office/powerpoint/2010/main" val="2848498660"/>
       </p:ext>
     </p:extLst>
   </p:cSld>
@@ -2483,13 +2189,7 @@
       </p:grpSpPr>
       <p:sp>
         <p:nvSpPr>
-          <p:cNvPr id="2" name="Titel 1">
-            <a:extLst>
-              <a:ext uri="{FF2B5EF4-FFF2-40B4-BE49-F238E27FC236}">
-                <a16:creationId xmlns:a16="http://schemas.microsoft.com/office/drawing/2014/main" id="{C63D9DA9-49A5-F2A3-3437-E82F7D013350}"/>
-              </a:ext>
-            </a:extLst>
-          </p:cNvPr>
+          <p:cNvPr id="2" name="Title 1"/>
           <p:cNvSpPr>
             <a:spLocks noGrp="1"/>
           </p:cNvSpPr>
@@ -2499,15 +2199,15 @@
         </p:nvSpPr>
         <p:spPr>
           <a:xfrm>
-            <a:off x="839788" y="457200"/>
-            <a:ext cx="3932237" cy="1600200"/>
+            <a:off x="297534" y="240030"/>
+            <a:ext cx="1393180" cy="840105"/>
           </a:xfrm>
         </p:spPr>
         <p:txBody>
           <a:bodyPr anchor="b"/>
           <a:lstStyle>
             <a:lvl1pPr>
-              <a:defRPr sz="3200"/>
+              <a:defRPr sz="1512"/>
             </a:lvl1pPr>
           </a:lstStyle>
           <a:p>
@@ -2515,20 +2215,15 @@
               <a:rPr lang="de-DE"/>
               <a:t>Mastertitelformat bearbeiten</a:t>
             </a:r>
-          </a:p>
-        </p:txBody>
-      </p:sp>
-      <p:sp>
-        <p:nvSpPr>
-          <p:cNvPr id="3" name="Bildplatzhalter 2">
-            <a:extLst>
-              <a:ext uri="{FF2B5EF4-FFF2-40B4-BE49-F238E27FC236}">
-                <a16:creationId xmlns:a16="http://schemas.microsoft.com/office/drawing/2014/main" id="{6B366781-FA3D-14D9-317B-620C2FFEE6DD}"/>
-              </a:ext>
-            </a:extLst>
-          </p:cNvPr>
-          <p:cNvSpPr>
-            <a:spLocks noGrp="1"/>
+            <a:endParaRPr lang="en-US" dirty="0"/>
+          </a:p>
+        </p:txBody>
+      </p:sp>
+      <p:sp>
+        <p:nvSpPr>
+          <p:cNvPr id="3" name="Picture Placeholder 2"/>
+          <p:cNvSpPr>
+            <a:spLocks noGrp="1" noChangeAspect="1"/>
           </p:cNvSpPr>
           <p:nvPr>
             <p:ph type="pic" idx="1"/>
@@ -2536,64 +2231,62 @@
         </p:nvSpPr>
         <p:spPr>
           <a:xfrm>
-            <a:off x="5183188" y="987425"/>
-            <a:ext cx="6172200" cy="4873625"/>
+            <a:off x="1836388" y="518399"/>
+            <a:ext cx="2186791" cy="2558653"/>
           </a:xfrm>
         </p:spPr>
         <p:txBody>
-          <a:bodyPr/>
+          <a:bodyPr anchor="t"/>
           <a:lstStyle>
             <a:lvl1pPr marL="0" indent="0">
               <a:buNone/>
-              <a:defRPr sz="3200"/>
+              <a:defRPr sz="1512"/>
             </a:lvl1pPr>
-            <a:lvl2pPr marL="457200" indent="0">
-              <a:buNone/>
-              <a:defRPr sz="2800"/>
+            <a:lvl2pPr marL="215981" indent="0">
+              <a:buNone/>
+              <a:defRPr sz="1323"/>
             </a:lvl2pPr>
-            <a:lvl3pPr marL="914400" indent="0">
-              <a:buNone/>
-              <a:defRPr sz="2400"/>
+            <a:lvl3pPr marL="431963" indent="0">
+              <a:buNone/>
+              <a:defRPr sz="1134"/>
             </a:lvl3pPr>
-            <a:lvl4pPr marL="1371600" indent="0">
-              <a:buNone/>
-              <a:defRPr sz="2000"/>
+            <a:lvl4pPr marL="647944" indent="0">
+              <a:buNone/>
+              <a:defRPr sz="945"/>
             </a:lvl4pPr>
-            <a:lvl5pPr marL="1828800" indent="0">
-              <a:buNone/>
-              <a:defRPr sz="2000"/>
+            <a:lvl5pPr marL="863925" indent="0">
+              <a:buNone/>
+              <a:defRPr sz="945"/>
             </a:lvl5pPr>
-            <a:lvl6pPr marL="2286000" indent="0">
-              <a:buNone/>
-              <a:defRPr sz="2000"/>
+            <a:lvl6pPr marL="1079906" indent="0">
+              <a:buNone/>
+              <a:defRPr sz="945"/>
             </a:lvl6pPr>
-            <a:lvl7pPr marL="2743200" indent="0">
-              <a:buNone/>
-              <a:defRPr sz="2000"/>
+            <a:lvl7pPr marL="1295888" indent="0">
+              <a:buNone/>
+              <a:defRPr sz="945"/>
             </a:lvl7pPr>
-            <a:lvl8pPr marL="3200400" indent="0">
-              <a:buNone/>
-              <a:defRPr sz="2000"/>
+            <a:lvl8pPr marL="1511869" indent="0">
+              <a:buNone/>
+              <a:defRPr sz="945"/>
             </a:lvl8pPr>
-            <a:lvl9pPr marL="3657600" indent="0">
-              <a:buNone/>
-              <a:defRPr sz="2000"/>
+            <a:lvl9pPr marL="1727850" indent="0">
+              <a:buNone/>
+              <a:defRPr sz="945"/>
             </a:lvl9pPr>
           </a:lstStyle>
           <a:p>
-            <a:endParaRPr lang="de-DE"/>
-          </a:p>
-        </p:txBody>
-      </p:sp>
-      <p:sp>
-        <p:nvSpPr>
-          <p:cNvPr id="4" name="Textplatzhalter 3">
-            <a:extLst>
-              <a:ext uri="{FF2B5EF4-FFF2-40B4-BE49-F238E27FC236}">
-                <a16:creationId xmlns:a16="http://schemas.microsoft.com/office/drawing/2014/main" id="{565CCB8B-8318-FF88-B276-B4D2B73CD585}"/>
-              </a:ext>
-            </a:extLst>
-          </p:cNvPr>
+            <a:r>
+              <a:rPr lang="de-DE"/>
+              <a:t>Bild durch Klicken auf Symbol hinzufügen</a:t>
+            </a:r>
+            <a:endParaRPr lang="en-US" dirty="0"/>
+          </a:p>
+        </p:txBody>
+      </p:sp>
+      <p:sp>
+        <p:nvSpPr>
+          <p:cNvPr id="4" name="Text Placeholder 3"/>
           <p:cNvSpPr>
             <a:spLocks noGrp="1"/>
           </p:cNvSpPr>
@@ -2603,8 +2296,8 @@
         </p:nvSpPr>
         <p:spPr>
           <a:xfrm>
-            <a:off x="839788" y="2057400"/>
-            <a:ext cx="3932237" cy="3811588"/>
+            <a:off x="297534" y="1080135"/>
+            <a:ext cx="1393180" cy="2001084"/>
           </a:xfrm>
         </p:spPr>
         <p:txBody>
@@ -2612,39 +2305,39 @@
           <a:lstStyle>
             <a:lvl1pPr marL="0" indent="0">
               <a:buNone/>
-              <a:defRPr sz="1600"/>
+              <a:defRPr sz="756"/>
             </a:lvl1pPr>
-            <a:lvl2pPr marL="457200" indent="0">
-              <a:buNone/>
-              <a:defRPr sz="1400"/>
+            <a:lvl2pPr marL="215981" indent="0">
+              <a:buNone/>
+              <a:defRPr sz="661"/>
             </a:lvl2pPr>
-            <a:lvl3pPr marL="914400" indent="0">
-              <a:buNone/>
-              <a:defRPr sz="1200"/>
+            <a:lvl3pPr marL="431963" indent="0">
+              <a:buNone/>
+              <a:defRPr sz="567"/>
             </a:lvl3pPr>
-            <a:lvl4pPr marL="1371600" indent="0">
-              <a:buNone/>
-              <a:defRPr sz="1000"/>
+            <a:lvl4pPr marL="647944" indent="0">
+              <a:buNone/>
+              <a:defRPr sz="472"/>
             </a:lvl4pPr>
-            <a:lvl5pPr marL="1828800" indent="0">
-              <a:buNone/>
-              <a:defRPr sz="1000"/>
+            <a:lvl5pPr marL="863925" indent="0">
+              <a:buNone/>
+              <a:defRPr sz="472"/>
             </a:lvl5pPr>
-            <a:lvl6pPr marL="2286000" indent="0">
-              <a:buNone/>
-              <a:defRPr sz="1000"/>
+            <a:lvl6pPr marL="1079906" indent="0">
+              <a:buNone/>
+              <a:defRPr sz="472"/>
             </a:lvl6pPr>
-            <a:lvl7pPr marL="2743200" indent="0">
-              <a:buNone/>
-              <a:defRPr sz="1000"/>
+            <a:lvl7pPr marL="1295888" indent="0">
+              <a:buNone/>
+              <a:defRPr sz="472"/>
             </a:lvl7pPr>
-            <a:lvl8pPr marL="3200400" indent="0">
-              <a:buNone/>
-              <a:defRPr sz="1000"/>
+            <a:lvl8pPr marL="1511869" indent="0">
+              <a:buNone/>
+              <a:defRPr sz="472"/>
             </a:lvl8pPr>
-            <a:lvl9pPr marL="3657600" indent="0">
-              <a:buNone/>
-              <a:defRPr sz="1000"/>
+            <a:lvl9pPr marL="1727850" indent="0">
+              <a:buNone/>
+              <a:defRPr sz="472"/>
             </a:lvl9pPr>
           </a:lstStyle>
           <a:p>
@@ -2658,13 +2351,7 @@
       </p:sp>
       <p:sp>
         <p:nvSpPr>
-          <p:cNvPr id="5" name="Datumsplatzhalter 4">
-            <a:extLst>
-              <a:ext uri="{FF2B5EF4-FFF2-40B4-BE49-F238E27FC236}">
-                <a16:creationId xmlns:a16="http://schemas.microsoft.com/office/drawing/2014/main" id="{F335924D-8BFC-9C25-2CA8-0E7E2BEBA200}"/>
-              </a:ext>
-            </a:extLst>
-          </p:cNvPr>
+          <p:cNvPr id="5" name="Date Placeholder 4"/>
           <p:cNvSpPr>
             <a:spLocks noGrp="1"/>
           </p:cNvSpPr>
@@ -2679,7 +2366,7 @@
           <a:p>
             <a:fld id="{747FE99C-B6B2-4F84-BF3A-0009E28C1CAC}" type="datetimeFigureOut">
               <a:rPr lang="de-DE" smtClean="0"/>
-              <a:t>23.01.2025</a:t>
+              <a:t>27.01.2025</a:t>
             </a:fld>
             <a:endParaRPr lang="de-DE"/>
           </a:p>
@@ -2687,13 +2374,7 @@
       </p:sp>
       <p:sp>
         <p:nvSpPr>
-          <p:cNvPr id="6" name="Fußzeilenplatzhalter 5">
-            <a:extLst>
-              <a:ext uri="{FF2B5EF4-FFF2-40B4-BE49-F238E27FC236}">
-                <a16:creationId xmlns:a16="http://schemas.microsoft.com/office/drawing/2014/main" id="{4EB0D814-7919-B210-76BC-06CDE7790481}"/>
-              </a:ext>
-            </a:extLst>
-          </p:cNvPr>
+          <p:cNvPr id="6" name="Footer Placeholder 5"/>
           <p:cNvSpPr>
             <a:spLocks noGrp="1"/>
           </p:cNvSpPr>
@@ -2712,13 +2393,7 @@
       </p:sp>
       <p:sp>
         <p:nvSpPr>
-          <p:cNvPr id="7" name="Foliennummernplatzhalter 6">
-            <a:extLst>
-              <a:ext uri="{FF2B5EF4-FFF2-40B4-BE49-F238E27FC236}">
-                <a16:creationId xmlns:a16="http://schemas.microsoft.com/office/drawing/2014/main" id="{E9D2AA73-BCA5-88CA-0F14-DDBC97C8DD52}"/>
-              </a:ext>
-            </a:extLst>
-          </p:cNvPr>
+          <p:cNvPr id="7" name="Slide Number Placeholder 6"/>
           <p:cNvSpPr>
             <a:spLocks noGrp="1"/>
           </p:cNvSpPr>
@@ -2742,7 +2417,7 @@
     </p:spTree>
     <p:extLst>
       <p:ext uri="{BB962C8B-B14F-4D97-AF65-F5344CB8AC3E}">
-        <p14:creationId xmlns:p14="http://schemas.microsoft.com/office/powerpoint/2010/main" val="3544461515"/>
+        <p14:creationId xmlns:p14="http://schemas.microsoft.com/office/powerpoint/2010/main" val="1882650132"/>
       </p:ext>
     </p:extLst>
   </p:cSld>
@@ -2776,13 +2451,7 @@
       </p:grpSpPr>
       <p:sp>
         <p:nvSpPr>
-          <p:cNvPr id="2" name="Titelplatzhalter 1">
-            <a:extLst>
-              <a:ext uri="{FF2B5EF4-FFF2-40B4-BE49-F238E27FC236}">
-                <a16:creationId xmlns:a16="http://schemas.microsoft.com/office/drawing/2014/main" id="{20214321-BA94-1E13-854B-097421767198}"/>
-              </a:ext>
-            </a:extLst>
-          </p:cNvPr>
+          <p:cNvPr id="2" name="Title Placeholder 1"/>
           <p:cNvSpPr>
             <a:spLocks noGrp="1"/>
           </p:cNvSpPr>
@@ -2792,8 +2461,8 @@
         </p:nvSpPr>
         <p:spPr>
           <a:xfrm>
-            <a:off x="838200" y="365125"/>
-            <a:ext cx="10515600" cy="1325563"/>
+            <a:off x="296972" y="191691"/>
+            <a:ext cx="3725645" cy="695921"/>
           </a:xfrm>
           <a:prstGeom prst="rect">
             <a:avLst/>
@@ -2809,18 +2478,13 @@
               <a:rPr lang="de-DE"/>
               <a:t>Mastertitelformat bearbeiten</a:t>
             </a:r>
-          </a:p>
-        </p:txBody>
-      </p:sp>
-      <p:sp>
-        <p:nvSpPr>
-          <p:cNvPr id="3" name="Textplatzhalter 2">
-            <a:extLst>
-              <a:ext uri="{FF2B5EF4-FFF2-40B4-BE49-F238E27FC236}">
-                <a16:creationId xmlns:a16="http://schemas.microsoft.com/office/drawing/2014/main" id="{8A93F7EB-36DA-0465-9F18-AC8C25F7026B}"/>
-              </a:ext>
-            </a:extLst>
-          </p:cNvPr>
+            <a:endParaRPr lang="en-US" dirty="0"/>
+          </a:p>
+        </p:txBody>
+      </p:sp>
+      <p:sp>
+        <p:nvSpPr>
+          <p:cNvPr id="3" name="Text Placeholder 2"/>
           <p:cNvSpPr>
             <a:spLocks noGrp="1"/>
           </p:cNvSpPr>
@@ -2830,8 +2494,8 @@
         </p:nvSpPr>
         <p:spPr>
           <a:xfrm>
-            <a:off x="838200" y="1825625"/>
-            <a:ext cx="10515600" cy="4351338"/>
+            <a:off x="296972" y="958453"/>
+            <a:ext cx="3725645" cy="2284452"/>
           </a:xfrm>
           <a:prstGeom prst="rect">
             <a:avLst/>
@@ -2876,18 +2540,13 @@
               <a:rPr lang="de-DE"/>
               <a:t>Fünfte Ebene</a:t>
             </a:r>
-          </a:p>
-        </p:txBody>
-      </p:sp>
-      <p:sp>
-        <p:nvSpPr>
-          <p:cNvPr id="4" name="Datumsplatzhalter 3">
-            <a:extLst>
-              <a:ext uri="{FF2B5EF4-FFF2-40B4-BE49-F238E27FC236}">
-                <a16:creationId xmlns:a16="http://schemas.microsoft.com/office/drawing/2014/main" id="{48766D89-EE1A-F8CB-A129-BA6BC489B0BE}"/>
-              </a:ext>
-            </a:extLst>
-          </p:cNvPr>
+            <a:endParaRPr lang="en-US" dirty="0"/>
+          </a:p>
+        </p:txBody>
+      </p:sp>
+      <p:sp>
+        <p:nvSpPr>
+          <p:cNvPr id="4" name="Date Placeholder 3"/>
           <p:cNvSpPr>
             <a:spLocks noGrp="1"/>
           </p:cNvSpPr>
@@ -2897,8 +2556,8 @@
         </p:nvSpPr>
         <p:spPr>
           <a:xfrm>
-            <a:off x="838200" y="6356350"/>
-            <a:ext cx="2743200" cy="365125"/>
+            <a:off x="296972" y="3337084"/>
+            <a:ext cx="971907" cy="191691"/>
           </a:xfrm>
           <a:prstGeom prst="rect">
             <a:avLst/>
@@ -2908,7 +2567,7 @@
           <a:bodyPr vert="horz" lIns="91440" tIns="45720" rIns="91440" bIns="45720" rtlCol="0" anchor="ctr"/>
           <a:lstStyle>
             <a:lvl1pPr algn="l">
-              <a:defRPr sz="1200">
+              <a:defRPr sz="567">
                 <a:solidFill>
                   <a:schemeClr val="tx1">
                     <a:tint val="82000"/>
@@ -2920,7 +2579,7 @@
           <a:p>
             <a:fld id="{747FE99C-B6B2-4F84-BF3A-0009E28C1CAC}" type="datetimeFigureOut">
               <a:rPr lang="de-DE" smtClean="0"/>
-              <a:t>23.01.2025</a:t>
+              <a:t>27.01.2025</a:t>
             </a:fld>
             <a:endParaRPr lang="de-DE"/>
           </a:p>
@@ -2928,13 +2587,7 @@
       </p:sp>
       <p:sp>
         <p:nvSpPr>
-          <p:cNvPr id="5" name="Fußzeilenplatzhalter 4">
-            <a:extLst>
-              <a:ext uri="{FF2B5EF4-FFF2-40B4-BE49-F238E27FC236}">
-                <a16:creationId xmlns:a16="http://schemas.microsoft.com/office/drawing/2014/main" id="{98A7690D-99FB-2382-AE93-40B7622DCF32}"/>
-              </a:ext>
-            </a:extLst>
-          </p:cNvPr>
+          <p:cNvPr id="5" name="Footer Placeholder 4"/>
           <p:cNvSpPr>
             <a:spLocks noGrp="1"/>
           </p:cNvSpPr>
@@ -2944,8 +2597,8 @@
         </p:nvSpPr>
         <p:spPr>
           <a:xfrm>
-            <a:off x="4038600" y="6356350"/>
-            <a:ext cx="4114800" cy="365125"/>
+            <a:off x="1430864" y="3337084"/>
+            <a:ext cx="1457861" cy="191691"/>
           </a:xfrm>
           <a:prstGeom prst="rect">
             <a:avLst/>
@@ -2955,7 +2608,7 @@
           <a:bodyPr vert="horz" lIns="91440" tIns="45720" rIns="91440" bIns="45720" rtlCol="0" anchor="ctr"/>
           <a:lstStyle>
             <a:lvl1pPr algn="ctr">
-              <a:defRPr sz="1200">
+              <a:defRPr sz="567">
                 <a:solidFill>
                   <a:schemeClr val="tx1">
                     <a:tint val="82000"/>
@@ -2971,13 +2624,7 @@
       </p:sp>
       <p:sp>
         <p:nvSpPr>
-          <p:cNvPr id="6" name="Foliennummernplatzhalter 5">
-            <a:extLst>
-              <a:ext uri="{FF2B5EF4-FFF2-40B4-BE49-F238E27FC236}">
-                <a16:creationId xmlns:a16="http://schemas.microsoft.com/office/drawing/2014/main" id="{161EE901-FC6E-493F-0C71-9E29705DE3C4}"/>
-              </a:ext>
-            </a:extLst>
-          </p:cNvPr>
+          <p:cNvPr id="6" name="Slide Number Placeholder 5"/>
           <p:cNvSpPr>
             <a:spLocks noGrp="1"/>
           </p:cNvSpPr>
@@ -2987,8 +2634,8 @@
         </p:nvSpPr>
         <p:spPr>
           <a:xfrm>
-            <a:off x="8610600" y="6356350"/>
-            <a:ext cx="2743200" cy="365125"/>
+            <a:off x="3050709" y="3337084"/>
+            <a:ext cx="971907" cy="191691"/>
           </a:xfrm>
           <a:prstGeom prst="rect">
             <a:avLst/>
@@ -2998,7 +2645,7 @@
           <a:bodyPr vert="horz" lIns="91440" tIns="45720" rIns="91440" bIns="45720" rtlCol="0" anchor="ctr"/>
           <a:lstStyle>
             <a:lvl1pPr algn="r">
-              <a:defRPr sz="1200">
+              <a:defRPr sz="567">
                 <a:solidFill>
                   <a:schemeClr val="tx1">
                     <a:tint val="82000"/>
@@ -3019,27 +2666,27 @@
     </p:spTree>
     <p:extLst>
       <p:ext uri="{BB962C8B-B14F-4D97-AF65-F5344CB8AC3E}">
-        <p14:creationId xmlns:p14="http://schemas.microsoft.com/office/powerpoint/2010/main" val="3783640044"/>
+        <p14:creationId xmlns:p14="http://schemas.microsoft.com/office/powerpoint/2010/main" val="3150906306"/>
       </p:ext>
     </p:extLst>
   </p:cSld>
   <p:clrMap bg1="lt1" tx1="dk1" bg2="lt2" tx2="dk2" accent1="accent1" accent2="accent2" accent3="accent3" accent4="accent4" accent5="accent5" accent6="accent6" hlink="hlink" folHlink="folHlink"/>
   <p:sldLayoutIdLst>
-    <p:sldLayoutId id="2147483649" r:id="rId1"/>
-    <p:sldLayoutId id="2147483650" r:id="rId2"/>
-    <p:sldLayoutId id="2147483651" r:id="rId3"/>
-    <p:sldLayoutId id="2147483652" r:id="rId4"/>
-    <p:sldLayoutId id="2147483653" r:id="rId5"/>
-    <p:sldLayoutId id="2147483654" r:id="rId6"/>
-    <p:sldLayoutId id="2147483655" r:id="rId7"/>
-    <p:sldLayoutId id="2147483656" r:id="rId8"/>
-    <p:sldLayoutId id="2147483657" r:id="rId9"/>
-    <p:sldLayoutId id="2147483658" r:id="rId10"/>
-    <p:sldLayoutId id="2147483659" r:id="rId11"/>
+    <p:sldLayoutId id="2147483709" r:id="rId1"/>
+    <p:sldLayoutId id="2147483710" r:id="rId2"/>
+    <p:sldLayoutId id="2147483711" r:id="rId3"/>
+    <p:sldLayoutId id="2147483712" r:id="rId4"/>
+    <p:sldLayoutId id="2147483713" r:id="rId5"/>
+    <p:sldLayoutId id="2147483714" r:id="rId6"/>
+    <p:sldLayoutId id="2147483715" r:id="rId7"/>
+    <p:sldLayoutId id="2147483716" r:id="rId8"/>
+    <p:sldLayoutId id="2147483717" r:id="rId9"/>
+    <p:sldLayoutId id="2147483718" r:id="rId10"/>
+    <p:sldLayoutId id="2147483719" r:id="rId11"/>
   </p:sldLayoutIdLst>
   <p:txStyles>
     <p:titleStyle>
-      <a:lvl1pPr algn="l" defTabSz="914400" rtl="0" eaLnBrk="1" latinLnBrk="0" hangingPunct="1">
+      <a:lvl1pPr algn="l" defTabSz="431963" rtl="0" eaLnBrk="1" latinLnBrk="0" hangingPunct="1">
         <a:lnSpc>
           <a:spcPct val="90000"/>
         </a:lnSpc>
@@ -3047,7 +2694,7 @@
           <a:spcPct val="0"/>
         </a:spcBef>
         <a:buNone/>
-        <a:defRPr sz="4400" kern="1200">
+        <a:defRPr sz="2079" kern="1200">
           <a:solidFill>
             <a:schemeClr val="tx1"/>
           </a:solidFill>
@@ -3058,16 +2705,16 @@
       </a:lvl1pPr>
     </p:titleStyle>
     <p:bodyStyle>
-      <a:lvl1pPr marL="228600" indent="-228600" algn="l" defTabSz="914400" rtl="0" eaLnBrk="1" latinLnBrk="0" hangingPunct="1">
+      <a:lvl1pPr marL="107991" indent="-107991" algn="l" defTabSz="431963" rtl="0" eaLnBrk="1" latinLnBrk="0" hangingPunct="1">
         <a:lnSpc>
           <a:spcPct val="90000"/>
         </a:lnSpc>
         <a:spcBef>
-          <a:spcPts val="1000"/>
+          <a:spcPts val="472"/>
         </a:spcBef>
         <a:buFont typeface="Arial" panose="020B0604020202020204" pitchFamily="34" charset="0"/>
         <a:buChar char="•"/>
-        <a:defRPr sz="2800" kern="1200">
+        <a:defRPr sz="1323" kern="1200">
           <a:solidFill>
             <a:schemeClr val="tx1"/>
           </a:solidFill>
@@ -3076,16 +2723,16 @@
           <a:cs typeface="+mn-cs"/>
         </a:defRPr>
       </a:lvl1pPr>
-      <a:lvl2pPr marL="685800" indent="-228600" algn="l" defTabSz="914400" rtl="0" eaLnBrk="1" latinLnBrk="0" hangingPunct="1">
+      <a:lvl2pPr marL="323972" indent="-107991" algn="l" defTabSz="431963" rtl="0" eaLnBrk="1" latinLnBrk="0" hangingPunct="1">
         <a:lnSpc>
           <a:spcPct val="90000"/>
         </a:lnSpc>
         <a:spcBef>
-          <a:spcPts val="500"/>
+          <a:spcPts val="236"/>
         </a:spcBef>
         <a:buFont typeface="Arial" panose="020B0604020202020204" pitchFamily="34" charset="0"/>
         <a:buChar char="•"/>
-        <a:defRPr sz="2400" kern="1200">
+        <a:defRPr sz="1134" kern="1200">
           <a:solidFill>
             <a:schemeClr val="tx1"/>
           </a:solidFill>
@@ -3094,16 +2741,16 @@
           <a:cs typeface="+mn-cs"/>
         </a:defRPr>
       </a:lvl2pPr>
-      <a:lvl3pPr marL="1143000" indent="-228600" algn="l" defTabSz="914400" rtl="0" eaLnBrk="1" latinLnBrk="0" hangingPunct="1">
+      <a:lvl3pPr marL="539953" indent="-107991" algn="l" defTabSz="431963" rtl="0" eaLnBrk="1" latinLnBrk="0" hangingPunct="1">
         <a:lnSpc>
           <a:spcPct val="90000"/>
         </a:lnSpc>
         <a:spcBef>
-          <a:spcPts val="500"/>
+          <a:spcPts val="236"/>
         </a:spcBef>
         <a:buFont typeface="Arial" panose="020B0604020202020204" pitchFamily="34" charset="0"/>
         <a:buChar char="•"/>
-        <a:defRPr sz="2000" kern="1200">
+        <a:defRPr sz="945" kern="1200">
           <a:solidFill>
             <a:schemeClr val="tx1"/>
           </a:solidFill>
@@ -3112,16 +2759,16 @@
           <a:cs typeface="+mn-cs"/>
         </a:defRPr>
       </a:lvl3pPr>
-      <a:lvl4pPr marL="1600200" indent="-228600" algn="l" defTabSz="914400" rtl="0" eaLnBrk="1" latinLnBrk="0" hangingPunct="1">
+      <a:lvl4pPr marL="755934" indent="-107991" algn="l" defTabSz="431963" rtl="0" eaLnBrk="1" latinLnBrk="0" hangingPunct="1">
         <a:lnSpc>
           <a:spcPct val="90000"/>
         </a:lnSpc>
         <a:spcBef>
-          <a:spcPts val="500"/>
+          <a:spcPts val="236"/>
         </a:spcBef>
         <a:buFont typeface="Arial" panose="020B0604020202020204" pitchFamily="34" charset="0"/>
         <a:buChar char="•"/>
-        <a:defRPr sz="1800" kern="1200">
+        <a:defRPr sz="850" kern="1200">
           <a:solidFill>
             <a:schemeClr val="tx1"/>
           </a:solidFill>
@@ -3130,16 +2777,16 @@
           <a:cs typeface="+mn-cs"/>
         </a:defRPr>
       </a:lvl4pPr>
-      <a:lvl5pPr marL="2057400" indent="-228600" algn="l" defTabSz="914400" rtl="0" eaLnBrk="1" latinLnBrk="0" hangingPunct="1">
+      <a:lvl5pPr marL="971916" indent="-107991" algn="l" defTabSz="431963" rtl="0" eaLnBrk="1" latinLnBrk="0" hangingPunct="1">
         <a:lnSpc>
           <a:spcPct val="90000"/>
         </a:lnSpc>
         <a:spcBef>
-          <a:spcPts val="500"/>
+          <a:spcPts val="236"/>
         </a:spcBef>
         <a:buFont typeface="Arial" panose="020B0604020202020204" pitchFamily="34" charset="0"/>
         <a:buChar char="•"/>
-        <a:defRPr sz="1800" kern="1200">
+        <a:defRPr sz="850" kern="1200">
           <a:solidFill>
             <a:schemeClr val="tx1"/>
           </a:solidFill>
@@ -3148,16 +2795,16 @@
           <a:cs typeface="+mn-cs"/>
         </a:defRPr>
       </a:lvl5pPr>
-      <a:lvl6pPr marL="2514600" indent="-228600" algn="l" defTabSz="914400" rtl="0" eaLnBrk="1" latinLnBrk="0" hangingPunct="1">
+      <a:lvl6pPr marL="1187897" indent="-107991" algn="l" defTabSz="431963" rtl="0" eaLnBrk="1" latinLnBrk="0" hangingPunct="1">
         <a:lnSpc>
           <a:spcPct val="90000"/>
         </a:lnSpc>
         <a:spcBef>
-          <a:spcPts val="500"/>
+          <a:spcPts val="236"/>
         </a:spcBef>
         <a:buFont typeface="Arial" panose="020B0604020202020204" pitchFamily="34" charset="0"/>
         <a:buChar char="•"/>
-        <a:defRPr sz="1800" kern="1200">
+        <a:defRPr sz="850" kern="1200">
           <a:solidFill>
             <a:schemeClr val="tx1"/>
           </a:solidFill>
@@ -3166,16 +2813,16 @@
           <a:cs typeface="+mn-cs"/>
         </a:defRPr>
       </a:lvl6pPr>
-      <a:lvl7pPr marL="2971800" indent="-228600" algn="l" defTabSz="914400" rtl="0" eaLnBrk="1" latinLnBrk="0" hangingPunct="1">
+      <a:lvl7pPr marL="1403878" indent="-107991" algn="l" defTabSz="431963" rtl="0" eaLnBrk="1" latinLnBrk="0" hangingPunct="1">
         <a:lnSpc>
           <a:spcPct val="90000"/>
         </a:lnSpc>
         <a:spcBef>
-          <a:spcPts val="500"/>
+          <a:spcPts val="236"/>
         </a:spcBef>
         <a:buFont typeface="Arial" panose="020B0604020202020204" pitchFamily="34" charset="0"/>
         <a:buChar char="•"/>
-        <a:defRPr sz="1800" kern="1200">
+        <a:defRPr sz="850" kern="1200">
           <a:solidFill>
             <a:schemeClr val="tx1"/>
           </a:solidFill>
@@ -3184,16 +2831,16 @@
           <a:cs typeface="+mn-cs"/>
         </a:defRPr>
       </a:lvl7pPr>
-      <a:lvl8pPr marL="3429000" indent="-228600" algn="l" defTabSz="914400" rtl="0" eaLnBrk="1" latinLnBrk="0" hangingPunct="1">
+      <a:lvl8pPr marL="1619860" indent="-107991" algn="l" defTabSz="431963" rtl="0" eaLnBrk="1" latinLnBrk="0" hangingPunct="1">
         <a:lnSpc>
           <a:spcPct val="90000"/>
         </a:lnSpc>
         <a:spcBef>
-          <a:spcPts val="500"/>
+          <a:spcPts val="236"/>
         </a:spcBef>
         <a:buFont typeface="Arial" panose="020B0604020202020204" pitchFamily="34" charset="0"/>
         <a:buChar char="•"/>
-        <a:defRPr sz="1800" kern="1200">
+        <a:defRPr sz="850" kern="1200">
           <a:solidFill>
             <a:schemeClr val="tx1"/>
           </a:solidFill>
@@ -3202,16 +2849,16 @@
           <a:cs typeface="+mn-cs"/>
         </a:defRPr>
       </a:lvl8pPr>
-      <a:lvl9pPr marL="3886200" indent="-228600" algn="l" defTabSz="914400" rtl="0" eaLnBrk="1" latinLnBrk="0" hangingPunct="1">
+      <a:lvl9pPr marL="1835841" indent="-107991" algn="l" defTabSz="431963" rtl="0" eaLnBrk="1" latinLnBrk="0" hangingPunct="1">
         <a:lnSpc>
           <a:spcPct val="90000"/>
         </a:lnSpc>
         <a:spcBef>
-          <a:spcPts val="500"/>
+          <a:spcPts val="236"/>
         </a:spcBef>
         <a:buFont typeface="Arial" panose="020B0604020202020204" pitchFamily="34" charset="0"/>
         <a:buChar char="•"/>
-        <a:defRPr sz="1800" kern="1200">
+        <a:defRPr sz="850" kern="1200">
           <a:solidFill>
             <a:schemeClr val="tx1"/>
           </a:solidFill>
@@ -3223,10 +2870,10 @@
     </p:bodyStyle>
     <p:otherStyle>
       <a:defPPr>
-        <a:defRPr lang="de-DE"/>
+        <a:defRPr lang="en-US"/>
       </a:defPPr>
-      <a:lvl1pPr marL="0" algn="l" defTabSz="914400" rtl="0" eaLnBrk="1" latinLnBrk="0" hangingPunct="1">
-        <a:defRPr sz="1800" kern="1200">
+      <a:lvl1pPr marL="0" algn="l" defTabSz="431963" rtl="0" eaLnBrk="1" latinLnBrk="0" hangingPunct="1">
+        <a:defRPr sz="850" kern="1200">
           <a:solidFill>
             <a:schemeClr val="tx1"/>
           </a:solidFill>
@@ -3235,8 +2882,8 @@
           <a:cs typeface="+mn-cs"/>
         </a:defRPr>
       </a:lvl1pPr>
-      <a:lvl2pPr marL="457200" algn="l" defTabSz="914400" rtl="0" eaLnBrk="1" latinLnBrk="0" hangingPunct="1">
-        <a:defRPr sz="1800" kern="1200">
+      <a:lvl2pPr marL="215981" algn="l" defTabSz="431963" rtl="0" eaLnBrk="1" latinLnBrk="0" hangingPunct="1">
+        <a:defRPr sz="850" kern="1200">
           <a:solidFill>
             <a:schemeClr val="tx1"/>
           </a:solidFill>
@@ -3245,8 +2892,8 @@
           <a:cs typeface="+mn-cs"/>
         </a:defRPr>
       </a:lvl2pPr>
-      <a:lvl3pPr marL="914400" algn="l" defTabSz="914400" rtl="0" eaLnBrk="1" latinLnBrk="0" hangingPunct="1">
-        <a:defRPr sz="1800" kern="1200">
+      <a:lvl3pPr marL="431963" algn="l" defTabSz="431963" rtl="0" eaLnBrk="1" latinLnBrk="0" hangingPunct="1">
+        <a:defRPr sz="850" kern="1200">
           <a:solidFill>
             <a:schemeClr val="tx1"/>
           </a:solidFill>
@@ -3255,8 +2902,8 @@
           <a:cs typeface="+mn-cs"/>
         </a:defRPr>
       </a:lvl3pPr>
-      <a:lvl4pPr marL="1371600" algn="l" defTabSz="914400" rtl="0" eaLnBrk="1" latinLnBrk="0" hangingPunct="1">
-        <a:defRPr sz="1800" kern="1200">
+      <a:lvl4pPr marL="647944" algn="l" defTabSz="431963" rtl="0" eaLnBrk="1" latinLnBrk="0" hangingPunct="1">
+        <a:defRPr sz="850" kern="1200">
           <a:solidFill>
             <a:schemeClr val="tx1"/>
           </a:solidFill>
@@ -3265,8 +2912,8 @@
           <a:cs typeface="+mn-cs"/>
         </a:defRPr>
       </a:lvl4pPr>
-      <a:lvl5pPr marL="1828800" algn="l" defTabSz="914400" rtl="0" eaLnBrk="1" latinLnBrk="0" hangingPunct="1">
-        <a:defRPr sz="1800" kern="1200">
+      <a:lvl5pPr marL="863925" algn="l" defTabSz="431963" rtl="0" eaLnBrk="1" latinLnBrk="0" hangingPunct="1">
+        <a:defRPr sz="850" kern="1200">
           <a:solidFill>
             <a:schemeClr val="tx1"/>
           </a:solidFill>
@@ -3275,8 +2922,8 @@
           <a:cs typeface="+mn-cs"/>
         </a:defRPr>
       </a:lvl5pPr>
-      <a:lvl6pPr marL="2286000" algn="l" defTabSz="914400" rtl="0" eaLnBrk="1" latinLnBrk="0" hangingPunct="1">
-        <a:defRPr sz="1800" kern="1200">
+      <a:lvl6pPr marL="1079906" algn="l" defTabSz="431963" rtl="0" eaLnBrk="1" latinLnBrk="0" hangingPunct="1">
+        <a:defRPr sz="850" kern="1200">
           <a:solidFill>
             <a:schemeClr val="tx1"/>
           </a:solidFill>
@@ -3285,8 +2932,8 @@
           <a:cs typeface="+mn-cs"/>
         </a:defRPr>
       </a:lvl6pPr>
-      <a:lvl7pPr marL="2743200" algn="l" defTabSz="914400" rtl="0" eaLnBrk="1" latinLnBrk="0" hangingPunct="1">
-        <a:defRPr sz="1800" kern="1200">
+      <a:lvl7pPr marL="1295888" algn="l" defTabSz="431963" rtl="0" eaLnBrk="1" latinLnBrk="0" hangingPunct="1">
+        <a:defRPr sz="850" kern="1200">
           <a:solidFill>
             <a:schemeClr val="tx1"/>
           </a:solidFill>
@@ -3295,8 +2942,8 @@
           <a:cs typeface="+mn-cs"/>
         </a:defRPr>
       </a:lvl7pPr>
-      <a:lvl8pPr marL="3200400" algn="l" defTabSz="914400" rtl="0" eaLnBrk="1" latinLnBrk="0" hangingPunct="1">
-        <a:defRPr sz="1800" kern="1200">
+      <a:lvl8pPr marL="1511869" algn="l" defTabSz="431963" rtl="0" eaLnBrk="1" latinLnBrk="0" hangingPunct="1">
+        <a:defRPr sz="850" kern="1200">
           <a:solidFill>
             <a:schemeClr val="tx1"/>
           </a:solidFill>
@@ -3305,8 +2952,8 @@
           <a:cs typeface="+mn-cs"/>
         </a:defRPr>
       </a:lvl8pPr>
-      <a:lvl9pPr marL="3657600" algn="l" defTabSz="914400" rtl="0" eaLnBrk="1" latinLnBrk="0" hangingPunct="1">
-        <a:defRPr sz="1800" kern="1200">
+      <a:lvl9pPr marL="1727850" algn="l" defTabSz="431963" rtl="0" eaLnBrk="1" latinLnBrk="0" hangingPunct="1">
+        <a:defRPr sz="850" kern="1200">
           <a:solidFill>
             <a:schemeClr val="tx1"/>
           </a:solidFill>
@@ -3326,7 +2973,7 @@
     <p:bg>
       <p:bgPr>
         <a:solidFill>
-          <a:schemeClr val="bg2"/>
+          <a:schemeClr val="bg1"/>
         </a:solidFill>
         <a:effectLst/>
       </p:bgPr>
@@ -3345,252 +2992,395 @@
           <a:chExt cx="0" cy="0"/>
         </a:xfrm>
       </p:grpSpPr>
-      <p:sp>
-        <p:nvSpPr>
-          <p:cNvPr id="4" name="Rechteck 3">
+      <p:grpSp>
+        <p:nvGrpSpPr>
+          <p:cNvPr id="2" name="Gruppieren 1">
             <a:extLst>
               <a:ext uri="{FF2B5EF4-FFF2-40B4-BE49-F238E27FC236}">
-                <a16:creationId xmlns:a16="http://schemas.microsoft.com/office/drawing/2014/main" id="{8F8C0D41-EA9A-8F65-DD64-C014A2C236A3}"/>
+                <a16:creationId xmlns:a16="http://schemas.microsoft.com/office/drawing/2014/main" id="{6F0D3C8B-2763-BCFC-DED0-EA8258BAF55D}"/>
               </a:ext>
             </a:extLst>
           </p:cNvPr>
-          <p:cNvSpPr/>
+          <p:cNvGrpSpPr/>
           <p:nvPr/>
-        </p:nvSpPr>
-        <p:spPr>
+        </p:nvGrpSpPr>
+        <p:grpSpPr>
           <a:xfrm>
-            <a:off x="2906095" y="960081"/>
-            <a:ext cx="2294558" cy="1459269"/>
+            <a:off x="188957" y="366499"/>
+            <a:ext cx="3813282" cy="2867451"/>
+            <a:chOff x="2906091" y="960081"/>
+            <a:chExt cx="6172011" cy="4324545"/>
           </a:xfrm>
-          <a:prstGeom prst="rect">
-            <a:avLst/>
-          </a:prstGeom>
-          <a:ln/>
-        </p:spPr>
-        <p:style>
-          <a:lnRef idx="3">
-            <a:schemeClr val="lt1"/>
-          </a:lnRef>
-          <a:fillRef idx="1">
-            <a:schemeClr val="accent1"/>
-          </a:fillRef>
-          <a:effectRef idx="1">
-            <a:schemeClr val="accent1"/>
-          </a:effectRef>
-          <a:fontRef idx="minor">
-            <a:schemeClr val="lt1"/>
-          </a:fontRef>
-        </p:style>
-        <p:txBody>
-          <a:bodyPr rtlCol="0" anchor="ctr"/>
-          <a:lstStyle/>
-          <a:p>
-            <a:r>
-              <a:rPr lang="de-DE" b="1" dirty="0"/>
-              <a:t>Paper</a:t>
-            </a:r>
-          </a:p>
-          <a:p>
-            <a:pPr marL="285750" indent="-285750" defTabSz="990600">
-              <a:buFont typeface="Aptos" panose="020B0004020202020204" pitchFamily="34" charset="0"/>
-              <a:buChar char="⟩"/>
-            </a:pPr>
-            <a:r>
-              <a:rPr lang="de-DE" dirty="0"/>
-              <a:t>Transparency</a:t>
-            </a:r>
-          </a:p>
-          <a:p>
-            <a:pPr marL="285750" indent="-285750" defTabSz="990600">
-              <a:buFont typeface="Aptos" panose="020B0004020202020204" pitchFamily="34" charset="0"/>
-              <a:buChar char="⟩"/>
-            </a:pPr>
-            <a:r>
-              <a:rPr lang="de-DE" dirty="0"/>
-              <a:t>Research agenda</a:t>
-            </a:r>
-          </a:p>
-          <a:p>
-            <a:pPr marL="285750" indent="-285750" defTabSz="990600">
-              <a:buFont typeface="Aptos" panose="020B0004020202020204" pitchFamily="34" charset="0"/>
-              <a:buChar char="⟩"/>
-            </a:pPr>
-            <a:r>
-              <a:rPr lang="de-DE" i="1" dirty="0"/>
-              <a:t>Topic popularity</a:t>
-            </a:r>
-          </a:p>
-        </p:txBody>
-      </p:sp>
-      <p:sp>
-        <p:nvSpPr>
-          <p:cNvPr id="5" name="Rechteck 4">
+        </p:grpSpPr>
+        <p:sp>
+          <p:nvSpPr>
+            <p:cNvPr id="4" name="Rechteck 3">
+              <a:extLst>
+                <a:ext uri="{FF2B5EF4-FFF2-40B4-BE49-F238E27FC236}">
+                  <a16:creationId xmlns:a16="http://schemas.microsoft.com/office/drawing/2014/main" id="{8F8C0D41-EA9A-8F65-DD64-C014A2C236A3}"/>
+                </a:ext>
+              </a:extLst>
+            </p:cNvPr>
+            <p:cNvSpPr/>
+            <p:nvPr/>
+          </p:nvSpPr>
+          <p:spPr>
+            <a:xfrm>
+              <a:off x="2906093" y="960081"/>
+              <a:ext cx="2721449" cy="1752393"/>
+            </a:xfrm>
+            <a:prstGeom prst="rect">
+              <a:avLst/>
+            </a:prstGeom>
+            <a:ln>
+              <a:solidFill>
+                <a:schemeClr val="bg1">
+                  <a:lumMod val="65000"/>
+                </a:schemeClr>
+              </a:solidFill>
+            </a:ln>
+          </p:spPr>
+          <p:style>
+            <a:lnRef idx="3">
+              <a:schemeClr val="lt1"/>
+            </a:lnRef>
+            <a:fillRef idx="1">
+              <a:schemeClr val="accent1"/>
+            </a:fillRef>
+            <a:effectRef idx="1">
+              <a:schemeClr val="accent1"/>
+            </a:effectRef>
+            <a:fontRef idx="minor">
+              <a:schemeClr val="lt1"/>
+            </a:fontRef>
+          </p:style>
+          <p:txBody>
+            <a:bodyPr rtlCol="0" anchor="ctr"/>
+            <a:lstStyle/>
+            <a:p>
+              <a:r>
+                <a:rPr lang="de-DE" sz="1600" b="1" dirty="0"/>
+                <a:t>Paper</a:t>
+              </a:r>
+            </a:p>
+            <a:p>
+              <a:pPr marL="160338" indent="-160338" defTabSz="555842">
+                <a:buFont typeface="Aptos" panose="020B0004020202020204" pitchFamily="34" charset="0"/>
+                <a:buChar char="⟩"/>
+              </a:pPr>
+              <a:r>
+                <a:rPr lang="de-DE" sz="1400" dirty="0"/>
+                <a:t>Transparency</a:t>
+              </a:r>
+            </a:p>
+            <a:p>
+              <a:pPr marL="160338" indent="-160338" defTabSz="555842">
+                <a:buFont typeface="Aptos" panose="020B0004020202020204" pitchFamily="34" charset="0"/>
+                <a:buChar char="⟩"/>
+              </a:pPr>
+              <a:r>
+                <a:rPr lang="de-DE" sz="1400" dirty="0"/>
+                <a:t>Research agenda</a:t>
+              </a:r>
+            </a:p>
+            <a:p>
+              <a:pPr marL="160338" indent="-160338" defTabSz="555842">
+                <a:buFont typeface="Aptos" panose="020B0004020202020204" pitchFamily="34" charset="0"/>
+                <a:buChar char="⟩"/>
+              </a:pPr>
+              <a:r>
+                <a:rPr lang="de-DE" sz="1400" i="1" dirty="0"/>
+                <a:t>Topic popularity</a:t>
+              </a:r>
+            </a:p>
+          </p:txBody>
+        </p:sp>
+        <p:sp>
+          <p:nvSpPr>
+            <p:cNvPr id="5" name="Rechteck 4">
+              <a:extLst>
+                <a:ext uri="{FF2B5EF4-FFF2-40B4-BE49-F238E27FC236}">
+                  <a16:creationId xmlns:a16="http://schemas.microsoft.com/office/drawing/2014/main" id="{1CDC6552-638E-C909-010C-34E166E09D91}"/>
+                </a:ext>
+              </a:extLst>
+            </p:cNvPr>
+            <p:cNvSpPr/>
+            <p:nvPr/>
+          </p:nvSpPr>
+          <p:spPr>
+            <a:xfrm>
+              <a:off x="2906091" y="3028933"/>
+              <a:ext cx="2721448" cy="973494"/>
+            </a:xfrm>
+            <a:prstGeom prst="rect">
+              <a:avLst/>
+            </a:prstGeom>
+            <a:ln>
+              <a:solidFill>
+                <a:schemeClr val="bg1">
+                  <a:lumMod val="65000"/>
+                </a:schemeClr>
+              </a:solidFill>
+            </a:ln>
+          </p:spPr>
+          <p:style>
+            <a:lnRef idx="3">
+              <a:schemeClr val="lt1"/>
+            </a:lnRef>
+            <a:fillRef idx="1">
+              <a:schemeClr val="accent1"/>
+            </a:fillRef>
+            <a:effectRef idx="1">
+              <a:schemeClr val="accent1"/>
+            </a:effectRef>
+            <a:fontRef idx="minor">
+              <a:schemeClr val="lt1"/>
+            </a:fontRef>
+          </p:style>
+          <p:txBody>
+            <a:bodyPr rtlCol="0" anchor="ctr"/>
+            <a:lstStyle/>
+            <a:p>
+              <a:r>
+                <a:rPr lang="de-DE" sz="1600" b="1" dirty="0"/>
+                <a:t>Authors</a:t>
+              </a:r>
+            </a:p>
+            <a:p>
+              <a:pPr marL="160338" indent="-160338" defTabSz="555842">
+                <a:buFont typeface="Aptos" panose="020B0004020202020204" pitchFamily="34" charset="0"/>
+                <a:buChar char="⟩"/>
+              </a:pPr>
+              <a:r>
+                <a:rPr lang="de-DE" sz="1400" i="1" dirty="0"/>
+                <a:t>h-index</a:t>
+              </a:r>
+            </a:p>
+          </p:txBody>
+        </p:sp>
+        <p:sp>
+          <p:nvSpPr>
+            <p:cNvPr id="7" name="Rechteck 6">
+              <a:extLst>
+                <a:ext uri="{FF2B5EF4-FFF2-40B4-BE49-F238E27FC236}">
+                  <a16:creationId xmlns:a16="http://schemas.microsoft.com/office/drawing/2014/main" id="{DDB7CAAC-6221-384F-F07E-91A44DD21465}"/>
+                </a:ext>
+              </a:extLst>
+            </p:cNvPr>
+            <p:cNvSpPr/>
+            <p:nvPr/>
+          </p:nvSpPr>
+          <p:spPr>
+            <a:xfrm>
+              <a:off x="2906093" y="4311132"/>
+              <a:ext cx="2721446" cy="973494"/>
+            </a:xfrm>
+            <a:prstGeom prst="rect">
+              <a:avLst/>
+            </a:prstGeom>
+            <a:ln>
+              <a:solidFill>
+                <a:schemeClr val="bg1">
+                  <a:lumMod val="65000"/>
+                </a:schemeClr>
+              </a:solidFill>
+            </a:ln>
+          </p:spPr>
+          <p:style>
+            <a:lnRef idx="3">
+              <a:schemeClr val="lt1"/>
+            </a:lnRef>
+            <a:fillRef idx="1">
+              <a:schemeClr val="accent1"/>
+            </a:fillRef>
+            <a:effectRef idx="1">
+              <a:schemeClr val="accent1"/>
+            </a:effectRef>
+            <a:fontRef idx="minor">
+              <a:schemeClr val="lt1"/>
+            </a:fontRef>
+          </p:style>
+          <p:txBody>
+            <a:bodyPr rtlCol="0" anchor="ctr"/>
+            <a:lstStyle/>
+            <a:p>
+              <a:r>
+                <a:rPr lang="de-DE" sz="1600" b="1" dirty="0"/>
+                <a:t>Journal</a:t>
+              </a:r>
+            </a:p>
+            <a:p>
+              <a:pPr marL="160338" indent="-160338" defTabSz="555842">
+                <a:buFont typeface="Aptos" panose="020B0004020202020204" pitchFamily="34" charset="0"/>
+                <a:buChar char="⟩"/>
+              </a:pPr>
+              <a:r>
+                <a:rPr lang="de-DE" sz="1400" dirty="0"/>
+                <a:t>Impact factor</a:t>
+              </a:r>
+              <a:endParaRPr lang="de-DE" sz="1400" i="1" dirty="0"/>
+            </a:p>
+          </p:txBody>
+        </p:sp>
+        <p:sp>
+          <p:nvSpPr>
+            <p:cNvPr id="8" name="Rechteck 7">
+              <a:extLst>
+                <a:ext uri="{FF2B5EF4-FFF2-40B4-BE49-F238E27FC236}">
+                  <a16:creationId xmlns:a16="http://schemas.microsoft.com/office/drawing/2014/main" id="{C6073139-6D4E-C4EF-48C8-47038E00CE70}"/>
+                </a:ext>
+              </a:extLst>
+            </p:cNvPr>
+            <p:cNvSpPr/>
+            <p:nvPr/>
+          </p:nvSpPr>
+          <p:spPr>
+            <a:xfrm>
+              <a:off x="6602993" y="3237252"/>
+              <a:ext cx="2475109" cy="556852"/>
+            </a:xfrm>
+            <a:prstGeom prst="rect">
+              <a:avLst/>
+            </a:prstGeom>
+            <a:ln>
+              <a:solidFill>
+                <a:schemeClr val="bg1">
+                  <a:lumMod val="65000"/>
+                </a:schemeClr>
+              </a:solidFill>
+            </a:ln>
+          </p:spPr>
+          <p:style>
+            <a:lnRef idx="3">
+              <a:schemeClr val="lt1"/>
+            </a:lnRef>
+            <a:fillRef idx="1">
+              <a:schemeClr val="accent1"/>
+            </a:fillRef>
+            <a:effectRef idx="1">
+              <a:schemeClr val="accent1"/>
+            </a:effectRef>
+            <a:fontRef idx="minor">
+              <a:schemeClr val="lt1"/>
+            </a:fontRef>
+          </p:style>
+          <p:txBody>
+            <a:bodyPr rtlCol="0" anchor="ctr"/>
+            <a:lstStyle/>
+            <a:p>
+              <a:r>
+                <a:rPr lang="de-DE" sz="1400" dirty="0"/>
+                <a:t>Scientific </a:t>
+              </a:r>
+              <a:r>
+                <a:rPr lang="de-DE" sz="1400" dirty="0" err="1"/>
+                <a:t>impact</a:t>
+              </a:r>
+              <a:endParaRPr lang="de-DE" sz="1400" i="1" dirty="0"/>
+            </a:p>
+          </p:txBody>
+        </p:sp>
+        <p:cxnSp>
+          <p:nvCxnSpPr>
+            <p:cNvPr id="11" name="Gerade Verbindung mit Pfeil 10">
+              <a:extLst>
+                <a:ext uri="{FF2B5EF4-FFF2-40B4-BE49-F238E27FC236}">
+                  <a16:creationId xmlns:a16="http://schemas.microsoft.com/office/drawing/2014/main" id="{704C26F2-F4B7-98C4-F648-C0FE597081AD}"/>
+                </a:ext>
+              </a:extLst>
+            </p:cNvPr>
+            <p:cNvCxnSpPr>
+              <a:cxnSpLocks/>
+            </p:cNvCxnSpPr>
+            <p:nvPr/>
+          </p:nvCxnSpPr>
+          <p:spPr>
+            <a:xfrm>
+              <a:off x="5725545" y="3501096"/>
+              <a:ext cx="816911" cy="0"/>
+            </a:xfrm>
+            <a:prstGeom prst="straightConnector1">
+              <a:avLst/>
+            </a:prstGeom>
+            <a:ln w="38100" cap="rnd">
+              <a:solidFill>
+                <a:schemeClr val="accent1">
+                  <a:alpha val="69000"/>
+                </a:schemeClr>
+              </a:solidFill>
+              <a:round/>
+              <a:tailEnd type="triangle"/>
+            </a:ln>
+          </p:spPr>
+          <p:style>
+            <a:lnRef idx="2">
+              <a:schemeClr val="accent1"/>
+            </a:lnRef>
+            <a:fillRef idx="0">
+              <a:schemeClr val="accent1"/>
+            </a:fillRef>
+            <a:effectRef idx="1">
+              <a:schemeClr val="accent1"/>
+            </a:effectRef>
+            <a:fontRef idx="minor">
+              <a:schemeClr val="tx1"/>
+            </a:fontRef>
+          </p:style>
+        </p:cxnSp>
+        <p:cxnSp>
+          <p:nvCxnSpPr>
+            <p:cNvPr id="13" name="Gerade Verbindung mit Pfeil 12">
+              <a:extLst>
+                <a:ext uri="{FF2B5EF4-FFF2-40B4-BE49-F238E27FC236}">
+                  <a16:creationId xmlns:a16="http://schemas.microsoft.com/office/drawing/2014/main" id="{73ACB844-E838-D597-7EC8-7358BF4A4884}"/>
+                </a:ext>
+              </a:extLst>
+            </p:cNvPr>
+            <p:cNvCxnSpPr>
+              <a:cxnSpLocks/>
+            </p:cNvCxnSpPr>
+            <p:nvPr/>
+          </p:nvCxnSpPr>
+          <p:spPr>
+            <a:xfrm>
+              <a:off x="5725545" y="2122899"/>
+              <a:ext cx="964912" cy="1010546"/>
+            </a:xfrm>
+            <a:prstGeom prst="straightConnector1">
+              <a:avLst/>
+            </a:prstGeom>
+            <a:ln w="38100" cap="rnd">
+              <a:solidFill>
+                <a:schemeClr val="accent1">
+                  <a:alpha val="69000"/>
+                </a:schemeClr>
+              </a:solidFill>
+              <a:round/>
+              <a:tailEnd type="triangle"/>
+            </a:ln>
+          </p:spPr>
+          <p:style>
+            <a:lnRef idx="2">
+              <a:schemeClr val="accent1"/>
+            </a:lnRef>
+            <a:fillRef idx="0">
+              <a:schemeClr val="accent1"/>
+            </a:fillRef>
+            <a:effectRef idx="1">
+              <a:schemeClr val="accent1"/>
+            </a:effectRef>
+            <a:fontRef idx="minor">
+              <a:schemeClr val="tx1"/>
+            </a:fontRef>
+          </p:style>
+        </p:cxnSp>
+      </p:grpSp>
+      <p:cxnSp>
+        <p:nvCxnSpPr>
+          <p:cNvPr id="14" name="Gerade Verbindung mit Pfeil 13">
             <a:extLst>
               <a:ext uri="{FF2B5EF4-FFF2-40B4-BE49-F238E27FC236}">
-                <a16:creationId xmlns:a16="http://schemas.microsoft.com/office/drawing/2014/main" id="{1CDC6552-638E-C909-010C-34E166E09D91}"/>
-              </a:ext>
-            </a:extLst>
-          </p:cNvPr>
-          <p:cNvSpPr/>
-          <p:nvPr/>
-        </p:nvSpPr>
-        <p:spPr>
-          <a:xfrm>
-            <a:off x="2906093" y="2878494"/>
-            <a:ext cx="2294558" cy="973494"/>
-          </a:xfrm>
-          <a:prstGeom prst="rect">
-            <a:avLst/>
-          </a:prstGeom>
-          <a:ln/>
-        </p:spPr>
-        <p:style>
-          <a:lnRef idx="3">
-            <a:schemeClr val="lt1"/>
-          </a:lnRef>
-          <a:fillRef idx="1">
-            <a:schemeClr val="accent1"/>
-          </a:fillRef>
-          <a:effectRef idx="1">
-            <a:schemeClr val="accent1"/>
-          </a:effectRef>
-          <a:fontRef idx="minor">
-            <a:schemeClr val="lt1"/>
-          </a:fontRef>
-        </p:style>
-        <p:txBody>
-          <a:bodyPr rtlCol="0" anchor="ctr"/>
-          <a:lstStyle/>
-          <a:p>
-            <a:r>
-              <a:rPr lang="de-DE" b="1" dirty="0"/>
-              <a:t>Authors</a:t>
-            </a:r>
-          </a:p>
-          <a:p>
-            <a:pPr marL="285750" indent="-285750" defTabSz="990600">
-              <a:buFont typeface="Aptos" panose="020B0004020202020204" pitchFamily="34" charset="0"/>
-              <a:buChar char="⟩"/>
-            </a:pPr>
-            <a:r>
-              <a:rPr lang="de-DE" i="1" dirty="0"/>
-              <a:t>h-index</a:t>
-            </a:r>
-          </a:p>
-        </p:txBody>
-      </p:sp>
-      <p:sp>
-        <p:nvSpPr>
-          <p:cNvPr id="7" name="Rechteck 6">
-            <a:extLst>
-              <a:ext uri="{FF2B5EF4-FFF2-40B4-BE49-F238E27FC236}">
-                <a16:creationId xmlns:a16="http://schemas.microsoft.com/office/drawing/2014/main" id="{DDB7CAAC-6221-384F-F07E-91A44DD21465}"/>
-              </a:ext>
-            </a:extLst>
-          </p:cNvPr>
-          <p:cNvSpPr/>
-          <p:nvPr/>
-        </p:nvSpPr>
-        <p:spPr>
-          <a:xfrm>
-            <a:off x="2906093" y="4311132"/>
-            <a:ext cx="2294558" cy="973494"/>
-          </a:xfrm>
-          <a:prstGeom prst="rect">
-            <a:avLst/>
-          </a:prstGeom>
-          <a:ln/>
-        </p:spPr>
-        <p:style>
-          <a:lnRef idx="3">
-            <a:schemeClr val="lt1"/>
-          </a:lnRef>
-          <a:fillRef idx="1">
-            <a:schemeClr val="accent1"/>
-          </a:fillRef>
-          <a:effectRef idx="1">
-            <a:schemeClr val="accent1"/>
-          </a:effectRef>
-          <a:fontRef idx="minor">
-            <a:schemeClr val="lt1"/>
-          </a:fontRef>
-        </p:style>
-        <p:txBody>
-          <a:bodyPr rtlCol="0" anchor="ctr"/>
-          <a:lstStyle/>
-          <a:p>
-            <a:r>
-              <a:rPr lang="de-DE" b="1" dirty="0"/>
-              <a:t>Journal</a:t>
-            </a:r>
-          </a:p>
-          <a:p>
-            <a:pPr marL="285750" indent="-285750" defTabSz="990600">
-              <a:buFont typeface="Aptos" panose="020B0004020202020204" pitchFamily="34" charset="0"/>
-              <a:buChar char="⟩"/>
-            </a:pPr>
-            <a:r>
-              <a:rPr lang="de-DE" dirty="0"/>
-              <a:t>Impact factor</a:t>
-            </a:r>
-            <a:endParaRPr lang="de-DE" i="1" dirty="0"/>
-          </a:p>
-        </p:txBody>
-      </p:sp>
-      <p:sp>
-        <p:nvSpPr>
-          <p:cNvPr id="8" name="Rechteck 7">
-            <a:extLst>
-              <a:ext uri="{FF2B5EF4-FFF2-40B4-BE49-F238E27FC236}">
-                <a16:creationId xmlns:a16="http://schemas.microsoft.com/office/drawing/2014/main" id="{C6073139-6D4E-C4EF-48C8-47038E00CE70}"/>
-              </a:ext>
-            </a:extLst>
-          </p:cNvPr>
-          <p:cNvSpPr/>
-          <p:nvPr/>
-        </p:nvSpPr>
-        <p:spPr>
-          <a:xfrm>
-            <a:off x="7388631" y="3086814"/>
-            <a:ext cx="1897276" cy="556853"/>
-          </a:xfrm>
-          <a:prstGeom prst="rect">
-            <a:avLst/>
-          </a:prstGeom>
-          <a:ln/>
-        </p:spPr>
-        <p:style>
-          <a:lnRef idx="3">
-            <a:schemeClr val="lt1"/>
-          </a:lnRef>
-          <a:fillRef idx="1">
-            <a:schemeClr val="accent1"/>
-          </a:fillRef>
-          <a:effectRef idx="1">
-            <a:schemeClr val="accent1"/>
-          </a:effectRef>
-          <a:fontRef idx="minor">
-            <a:schemeClr val="lt1"/>
-          </a:fontRef>
-        </p:style>
-        <p:txBody>
-          <a:bodyPr rtlCol="0" anchor="ctr"/>
-          <a:lstStyle/>
-          <a:p>
-            <a:r>
-              <a:rPr lang="de-DE" dirty="0"/>
-              <a:t>Scientific impact</a:t>
-            </a:r>
-            <a:endParaRPr lang="de-DE" i="1" dirty="0"/>
-          </a:p>
-        </p:txBody>
-      </p:sp>
-      <p:cxnSp>
-        <p:nvCxnSpPr>
-          <p:cNvPr id="11" name="Gerade Verbindung mit Pfeil 10">
-            <a:extLst>
-              <a:ext uri="{FF2B5EF4-FFF2-40B4-BE49-F238E27FC236}">
-                <a16:creationId xmlns:a16="http://schemas.microsoft.com/office/drawing/2014/main" id="{704C26F2-F4B7-98C4-F648-C0FE597081AD}"/>
+                <a16:creationId xmlns:a16="http://schemas.microsoft.com/office/drawing/2014/main" id="{19817A3B-96FC-0FE7-5AF5-5926F0C6AC9B}"/>
               </a:ext>
             </a:extLst>
           </p:cNvPr>
@@ -3600,103 +3390,9 @@
           <p:nvPr/>
         </p:nvCxnSpPr>
         <p:spPr>
-          <a:xfrm>
-            <a:off x="5268028" y="3345990"/>
-            <a:ext cx="2047172" cy="0"/>
-          </a:xfrm>
-          <a:prstGeom prst="straightConnector1">
-            <a:avLst/>
-          </a:prstGeom>
-          <a:ln w="38100" cap="rnd">
-            <a:solidFill>
-              <a:schemeClr val="accent1">
-                <a:alpha val="69000"/>
-              </a:schemeClr>
-            </a:solidFill>
-            <a:round/>
-            <a:tailEnd type="triangle"/>
-          </a:ln>
-        </p:spPr>
-        <p:style>
-          <a:lnRef idx="2">
-            <a:schemeClr val="accent1"/>
-          </a:lnRef>
-          <a:fillRef idx="0">
-            <a:schemeClr val="accent1"/>
-          </a:fillRef>
-          <a:effectRef idx="1">
-            <a:schemeClr val="accent1"/>
-          </a:effectRef>
-          <a:fontRef idx="minor">
-            <a:schemeClr val="tx1"/>
-          </a:fontRef>
-        </p:style>
-      </p:cxnSp>
-      <p:cxnSp>
-        <p:nvCxnSpPr>
-          <p:cNvPr id="13" name="Gerade Verbindung mit Pfeil 12">
-            <a:extLst>
-              <a:ext uri="{FF2B5EF4-FFF2-40B4-BE49-F238E27FC236}">
-                <a16:creationId xmlns:a16="http://schemas.microsoft.com/office/drawing/2014/main" id="{73ACB844-E838-D597-7EC8-7358BF4A4884}"/>
-              </a:ext>
-            </a:extLst>
-          </p:cNvPr>
-          <p:cNvCxnSpPr>
-            <a:cxnSpLocks/>
-          </p:cNvCxnSpPr>
-          <p:nvPr/>
-        </p:nvCxnSpPr>
-        <p:spPr>
-          <a:xfrm>
-            <a:off x="5268028" y="1727341"/>
-            <a:ext cx="2047172" cy="1487497"/>
-          </a:xfrm>
-          <a:prstGeom prst="straightConnector1">
-            <a:avLst/>
-          </a:prstGeom>
-          <a:ln w="38100" cap="rnd">
-            <a:solidFill>
-              <a:schemeClr val="accent1">
-                <a:alpha val="69000"/>
-              </a:schemeClr>
-            </a:solidFill>
-            <a:round/>
-            <a:tailEnd type="triangle"/>
-          </a:ln>
-        </p:spPr>
-        <p:style>
-          <a:lnRef idx="2">
-            <a:schemeClr val="accent1"/>
-          </a:lnRef>
-          <a:fillRef idx="0">
-            <a:schemeClr val="accent1"/>
-          </a:fillRef>
-          <a:effectRef idx="1">
-            <a:schemeClr val="accent1"/>
-          </a:effectRef>
-          <a:fontRef idx="minor">
-            <a:schemeClr val="tx1"/>
-          </a:fontRef>
-        </p:style>
-      </p:cxnSp>
-      <p:cxnSp>
-        <p:nvCxnSpPr>
-          <p:cNvPr id="19" name="Gerade Verbindung mit Pfeil 18">
-            <a:extLst>
-              <a:ext uri="{FF2B5EF4-FFF2-40B4-BE49-F238E27FC236}">
-                <a16:creationId xmlns:a16="http://schemas.microsoft.com/office/drawing/2014/main" id="{61195F72-0F22-E7C3-8C78-A6E986BC7E73}"/>
-              </a:ext>
-            </a:extLst>
-          </p:cNvPr>
-          <p:cNvCxnSpPr>
-            <a:cxnSpLocks/>
-          </p:cNvCxnSpPr>
-          <p:nvPr/>
-        </p:nvCxnSpPr>
-        <p:spPr>
-          <a:xfrm flipV="1">
-            <a:off x="5268028" y="3512010"/>
-            <a:ext cx="2047174" cy="1285869"/>
+          <a:xfrm rot="16200000">
+            <a:off x="1967864" y="2278098"/>
+            <a:ext cx="596156" cy="670057"/>
           </a:xfrm>
           <a:prstGeom prst="straightConnector1">
             <a:avLst/>
